--- a/Projet Hes d'été/4. Cloture/Présentation NSolver v2.pptx
+++ b/Projet Hes d'été/4. Cloture/Présentation NSolver v2.pptx
@@ -13,7 +13,11 @@
     <p:sldId id="260" r:id="rId7"/>
     <p:sldId id="261" r:id="rId8"/>
     <p:sldId id="259" r:id="rId9"/>
-    <p:sldId id="262" r:id="rId10"/>
+    <p:sldId id="265" r:id="rId10"/>
+    <p:sldId id="266" r:id="rId11"/>
+    <p:sldId id="267" r:id="rId12"/>
+    <p:sldId id="268" r:id="rId13"/>
+    <p:sldId id="262" r:id="rId14"/>
   </p:sldIdLst>
   <p:sldSz cx="9144000" cy="6858000" type="screen4x3"/>
   <p:notesSz cx="6858000" cy="9144000"/>
@@ -112,6 +116,11 @@
       </a:defRPr>
     </a:lvl9pPr>
   </p:defaultTextStyle>
+  <p:extLst>
+    <p:ext uri="{EFAFB233-063F-42B5-8137-9DF3F51BA10A}">
+      <p15:sldGuideLst xmlns:p15="http://schemas.microsoft.com/office/powerpoint/2012/main"/>
+    </p:ext>
+  </p:extLst>
 </p:presentation>
 </file>
 
@@ -6153,6 +6162,768 @@
 </p:sld>
 </file>
 
+<file path=ppt/slides/slide10.xml><?xml version="1.0" encoding="utf-8"?>
+<p:sld xmlns:a="http://schemas.openxmlformats.org/drawingml/2006/main" xmlns:r="http://schemas.openxmlformats.org/officeDocument/2006/relationships" xmlns:p="http://schemas.openxmlformats.org/presentationml/2006/main">
+  <p:cSld>
+    <p:spTree>
+      <p:nvGrpSpPr>
+        <p:cNvPr id="1" name=""/>
+        <p:cNvGrpSpPr/>
+        <p:nvPr/>
+      </p:nvGrpSpPr>
+      <p:grpSpPr>
+        <a:xfrm>
+          <a:off x="0" y="0"/>
+          <a:ext cx="0" cy="0"/>
+          <a:chOff x="0" y="0"/>
+          <a:chExt cx="0" cy="0"/>
+        </a:xfrm>
+      </p:grpSpPr>
+      <p:sp>
+        <p:nvSpPr>
+          <p:cNvPr id="2" name="Titre 1"/>
+          <p:cNvSpPr>
+            <a:spLocks noGrp="1"/>
+          </p:cNvSpPr>
+          <p:nvPr>
+            <p:ph type="title"/>
+          </p:nvPr>
+        </p:nvSpPr>
+        <p:spPr/>
+        <p:txBody>
+          <a:bodyPr/>
+          <a:lstStyle/>
+          <a:p>
+            <a:r>
+              <a:rPr lang="fr-CH" dirty="0"/>
+              <a:t>Visualisation 3D</a:t>
+            </a:r>
+          </a:p>
+        </p:txBody>
+      </p:sp>
+      <p:pic>
+        <p:nvPicPr>
+          <p:cNvPr id="4" name="Espace réservé du contenu 3"/>
+          <p:cNvPicPr>
+            <a:picLocks noGrp="1" noChangeAspect="1"/>
+          </p:cNvPicPr>
+          <p:nvPr>
+            <p:ph idx="1"/>
+          </p:nvPr>
+        </p:nvPicPr>
+        <p:blipFill>
+          <a:blip r:embed="rId2">
+            <a:extLst>
+              <a:ext uri="{28A0092B-C50C-407E-A947-70E740481C1C}">
+                <a14:useLocalDpi xmlns:a14="http://schemas.microsoft.com/office/drawing/2010/main" val="0"/>
+              </a:ext>
+            </a:extLst>
+          </a:blip>
+          <a:stretch>
+            <a:fillRect/>
+          </a:stretch>
+        </p:blipFill>
+        <p:spPr>
+          <a:xfrm>
+            <a:off x="2353315" y="2280603"/>
+            <a:ext cx="4955163" cy="4059237"/>
+          </a:xfrm>
+        </p:spPr>
+      </p:pic>
+      <p:sp>
+        <p:nvSpPr>
+          <p:cNvPr id="5" name="Espace réservé du contenu 2"/>
+          <p:cNvSpPr txBox="1">
+            <a:spLocks/>
+          </p:cNvSpPr>
+          <p:nvPr/>
+        </p:nvSpPr>
+        <p:spPr>
+          <a:xfrm>
+            <a:off x="685346" y="1732450"/>
+            <a:ext cx="7765322" cy="4058751"/>
+          </a:xfrm>
+          <a:prstGeom prst="rect">
+            <a:avLst/>
+          </a:prstGeom>
+          <a:effectLst>
+            <a:outerShdw blurRad="25400" dir="17880000">
+              <a:srgbClr val="000000">
+                <a:alpha val="46000"/>
+              </a:srgbClr>
+            </a:outerShdw>
+          </a:effectLst>
+        </p:spPr>
+        <p:txBody>
+          <a:bodyPr vert="horz" lIns="91440" tIns="45720" rIns="91440" bIns="45720" rtlCol="0" anchor="t">
+            <a:normAutofit/>
+          </a:bodyPr>
+          <a:lstStyle>
+            <a:lvl1pPr marL="342900" indent="-306000" algn="l" defTabSz="457200" rtl="0" eaLnBrk="1" latinLnBrk="0" hangingPunct="1">
+              <a:spcBef>
+                <a:spcPct val="20000"/>
+              </a:spcBef>
+              <a:spcAft>
+                <a:spcPts val="600"/>
+              </a:spcAft>
+              <a:buClr>
+                <a:schemeClr val="tx2"/>
+              </a:buClr>
+              <a:buSzPct val="70000"/>
+              <a:buFont typeface="Wingdings 2" charset="2"/>
+              <a:buChar char=""/>
+              <a:defRPr sz="2000" kern="1200">
+                <a:ln>
+                  <a:solidFill>
+                    <a:schemeClr val="bg1">
+                      <a:lumMod val="75000"/>
+                      <a:lumOff val="25000"/>
+                      <a:alpha val="10000"/>
+                    </a:schemeClr>
+                  </a:solidFill>
+                </a:ln>
+                <a:solidFill>
+                  <a:schemeClr val="tx2"/>
+                </a:solidFill>
+                <a:effectLst>
+                  <a:outerShdw blurRad="9525" dist="25400" dir="14640000" algn="tl" rotWithShape="0">
+                    <a:schemeClr val="bg1">
+                      <a:alpha val="30000"/>
+                    </a:schemeClr>
+                  </a:outerShdw>
+                </a:effectLst>
+                <a:latin typeface="+mn-lt"/>
+                <a:ea typeface="+mn-ea"/>
+                <a:cs typeface="+mn-cs"/>
+              </a:defRPr>
+            </a:lvl1pPr>
+            <a:lvl2pPr marL="720000" indent="-270000" algn="l" defTabSz="457200" rtl="0" eaLnBrk="1" latinLnBrk="0" hangingPunct="1">
+              <a:spcBef>
+                <a:spcPct val="20000"/>
+              </a:spcBef>
+              <a:spcAft>
+                <a:spcPts val="600"/>
+              </a:spcAft>
+              <a:buClr>
+                <a:schemeClr val="tx2"/>
+              </a:buClr>
+              <a:buSzPct val="70000"/>
+              <a:buFont typeface="Wingdings 2" charset="2"/>
+              <a:buChar char=""/>
+              <a:defRPr sz="1800" kern="1200">
+                <a:ln>
+                  <a:solidFill>
+                    <a:schemeClr val="bg1">
+                      <a:lumMod val="75000"/>
+                      <a:lumOff val="25000"/>
+                      <a:alpha val="10000"/>
+                    </a:schemeClr>
+                  </a:solidFill>
+                </a:ln>
+                <a:solidFill>
+                  <a:schemeClr val="tx2"/>
+                </a:solidFill>
+                <a:effectLst>
+                  <a:outerShdw blurRad="9525" dist="25400" dir="14640000" algn="tl" rotWithShape="0">
+                    <a:schemeClr val="bg1">
+                      <a:alpha val="30000"/>
+                    </a:schemeClr>
+                  </a:outerShdw>
+                </a:effectLst>
+                <a:latin typeface="+mn-lt"/>
+                <a:ea typeface="+mn-ea"/>
+                <a:cs typeface="+mn-cs"/>
+              </a:defRPr>
+            </a:lvl2pPr>
+            <a:lvl3pPr marL="1026000" indent="-216000" algn="l" defTabSz="457200" rtl="0" eaLnBrk="1" latinLnBrk="0" hangingPunct="1">
+              <a:spcBef>
+                <a:spcPct val="20000"/>
+              </a:spcBef>
+              <a:spcAft>
+                <a:spcPts val="600"/>
+              </a:spcAft>
+              <a:buClr>
+                <a:schemeClr val="tx2"/>
+              </a:buClr>
+              <a:buSzPct val="70000"/>
+              <a:buFont typeface="Wingdings 2" charset="2"/>
+              <a:buChar char=""/>
+              <a:defRPr sz="1600" kern="1200">
+                <a:ln>
+                  <a:solidFill>
+                    <a:schemeClr val="bg1">
+                      <a:lumMod val="75000"/>
+                      <a:lumOff val="25000"/>
+                      <a:alpha val="10000"/>
+                    </a:schemeClr>
+                  </a:solidFill>
+                </a:ln>
+                <a:solidFill>
+                  <a:schemeClr val="tx2"/>
+                </a:solidFill>
+                <a:effectLst>
+                  <a:outerShdw blurRad="9525" dist="25400" dir="14640000" algn="tl" rotWithShape="0">
+                    <a:schemeClr val="bg1">
+                      <a:alpha val="30000"/>
+                    </a:schemeClr>
+                  </a:outerShdw>
+                </a:effectLst>
+                <a:latin typeface="+mn-lt"/>
+                <a:ea typeface="+mn-ea"/>
+                <a:cs typeface="+mn-cs"/>
+              </a:defRPr>
+            </a:lvl3pPr>
+            <a:lvl4pPr marL="1386000" indent="-216000" algn="l" defTabSz="457200" rtl="0" eaLnBrk="1" latinLnBrk="0" hangingPunct="1">
+              <a:spcBef>
+                <a:spcPct val="20000"/>
+              </a:spcBef>
+              <a:spcAft>
+                <a:spcPts val="600"/>
+              </a:spcAft>
+              <a:buClr>
+                <a:schemeClr val="tx2"/>
+              </a:buClr>
+              <a:buSzPct val="70000"/>
+              <a:buFont typeface="Wingdings 2" charset="2"/>
+              <a:buChar char=""/>
+              <a:defRPr sz="1400" kern="1200">
+                <a:ln>
+                  <a:solidFill>
+                    <a:schemeClr val="bg1">
+                      <a:lumMod val="75000"/>
+                      <a:lumOff val="25000"/>
+                      <a:alpha val="10000"/>
+                    </a:schemeClr>
+                  </a:solidFill>
+                </a:ln>
+                <a:solidFill>
+                  <a:schemeClr val="tx2"/>
+                </a:solidFill>
+                <a:effectLst>
+                  <a:outerShdw blurRad="9525" dist="25400" dir="14640000" algn="tl" rotWithShape="0">
+                    <a:schemeClr val="bg1">
+                      <a:alpha val="30000"/>
+                    </a:schemeClr>
+                  </a:outerShdw>
+                </a:effectLst>
+                <a:latin typeface="+mn-lt"/>
+                <a:ea typeface="+mn-ea"/>
+                <a:cs typeface="+mn-cs"/>
+              </a:defRPr>
+            </a:lvl4pPr>
+            <a:lvl5pPr marL="1674000" indent="-216000" algn="l" defTabSz="457200" rtl="0" eaLnBrk="1" latinLnBrk="0" hangingPunct="1">
+              <a:spcBef>
+                <a:spcPct val="20000"/>
+              </a:spcBef>
+              <a:spcAft>
+                <a:spcPts val="600"/>
+              </a:spcAft>
+              <a:buClr>
+                <a:schemeClr val="tx2"/>
+              </a:buClr>
+              <a:buSzPct val="70000"/>
+              <a:buFont typeface="Wingdings 2" charset="2"/>
+              <a:buChar char=""/>
+              <a:defRPr sz="1400" kern="1200">
+                <a:ln>
+                  <a:solidFill>
+                    <a:schemeClr val="bg1">
+                      <a:lumMod val="75000"/>
+                      <a:lumOff val="25000"/>
+                      <a:alpha val="10000"/>
+                    </a:schemeClr>
+                  </a:solidFill>
+                </a:ln>
+                <a:solidFill>
+                  <a:schemeClr val="tx2"/>
+                </a:solidFill>
+                <a:effectLst>
+                  <a:outerShdw blurRad="9525" dist="25400" dir="14640000" algn="tl" rotWithShape="0">
+                    <a:schemeClr val="bg1">
+                      <a:alpha val="30000"/>
+                    </a:schemeClr>
+                  </a:outerShdw>
+                </a:effectLst>
+                <a:latin typeface="+mn-lt"/>
+                <a:ea typeface="+mn-ea"/>
+                <a:cs typeface="+mn-cs"/>
+              </a:defRPr>
+            </a:lvl5pPr>
+            <a:lvl6pPr marL="2014600" indent="-228600" algn="l" defTabSz="457200" rtl="0" eaLnBrk="1" latinLnBrk="0" hangingPunct="1">
+              <a:spcBef>
+                <a:spcPct val="20000"/>
+              </a:spcBef>
+              <a:spcAft>
+                <a:spcPts val="600"/>
+              </a:spcAft>
+              <a:buClr>
+                <a:schemeClr val="tx2"/>
+              </a:buClr>
+              <a:buSzPct val="70000"/>
+              <a:buFont typeface="Wingdings 2" charset="2"/>
+              <a:buChar char=""/>
+              <a:defRPr sz="1400" kern="1200">
+                <a:ln>
+                  <a:solidFill>
+                    <a:schemeClr val="bg1">
+                      <a:lumMod val="75000"/>
+                      <a:lumOff val="25000"/>
+                      <a:alpha val="10000"/>
+                    </a:schemeClr>
+                  </a:solidFill>
+                </a:ln>
+                <a:solidFill>
+                  <a:schemeClr val="tx2"/>
+                </a:solidFill>
+                <a:effectLst>
+                  <a:outerShdw blurRad="9525" dist="25400" dir="14640000" algn="tl" rotWithShape="0">
+                    <a:schemeClr val="bg1">
+                      <a:alpha val="30000"/>
+                    </a:schemeClr>
+                  </a:outerShdw>
+                </a:effectLst>
+                <a:latin typeface="+mn-lt"/>
+                <a:ea typeface="+mn-ea"/>
+                <a:cs typeface="+mn-cs"/>
+              </a:defRPr>
+            </a:lvl6pPr>
+            <a:lvl7pPr marL="2401800" indent="-228600" algn="l" defTabSz="457200" rtl="0" eaLnBrk="1" latinLnBrk="0" hangingPunct="1">
+              <a:spcBef>
+                <a:spcPct val="20000"/>
+              </a:spcBef>
+              <a:spcAft>
+                <a:spcPts val="600"/>
+              </a:spcAft>
+              <a:buClr>
+                <a:schemeClr val="tx2"/>
+              </a:buClr>
+              <a:buSzPct val="70000"/>
+              <a:buFont typeface="Wingdings 2" charset="2"/>
+              <a:buChar char=""/>
+              <a:defRPr sz="1400" kern="1200">
+                <a:ln>
+                  <a:solidFill>
+                    <a:schemeClr val="bg1">
+                      <a:lumMod val="75000"/>
+                      <a:lumOff val="25000"/>
+                      <a:alpha val="10000"/>
+                    </a:schemeClr>
+                  </a:solidFill>
+                </a:ln>
+                <a:solidFill>
+                  <a:schemeClr val="tx2"/>
+                </a:solidFill>
+                <a:effectLst>
+                  <a:outerShdw blurRad="9525" dist="25400" dir="14640000" algn="tl" rotWithShape="0">
+                    <a:schemeClr val="bg1">
+                      <a:alpha val="30000"/>
+                    </a:schemeClr>
+                  </a:outerShdw>
+                </a:effectLst>
+                <a:latin typeface="+mn-lt"/>
+                <a:ea typeface="+mn-ea"/>
+                <a:cs typeface="+mn-cs"/>
+              </a:defRPr>
+            </a:lvl7pPr>
+            <a:lvl8pPr marL="2789000" indent="-228600" algn="l" defTabSz="457200" rtl="0" eaLnBrk="1" latinLnBrk="0" hangingPunct="1">
+              <a:spcBef>
+                <a:spcPct val="20000"/>
+              </a:spcBef>
+              <a:spcAft>
+                <a:spcPts val="600"/>
+              </a:spcAft>
+              <a:buClr>
+                <a:schemeClr val="tx2"/>
+              </a:buClr>
+              <a:buSzPct val="70000"/>
+              <a:buFont typeface="Wingdings 2" charset="2"/>
+              <a:buChar char=""/>
+              <a:defRPr sz="1400" kern="1200">
+                <a:ln>
+                  <a:solidFill>
+                    <a:schemeClr val="bg1">
+                      <a:lumMod val="75000"/>
+                      <a:lumOff val="25000"/>
+                      <a:alpha val="10000"/>
+                    </a:schemeClr>
+                  </a:solidFill>
+                </a:ln>
+                <a:solidFill>
+                  <a:schemeClr val="tx2"/>
+                </a:solidFill>
+                <a:effectLst>
+                  <a:outerShdw blurRad="9525" dist="25400" dir="14640000" algn="tl" rotWithShape="0">
+                    <a:schemeClr val="bg1">
+                      <a:alpha val="30000"/>
+                    </a:schemeClr>
+                  </a:outerShdw>
+                </a:effectLst>
+                <a:latin typeface="+mn-lt"/>
+                <a:ea typeface="+mn-ea"/>
+                <a:cs typeface="+mn-cs"/>
+              </a:defRPr>
+            </a:lvl8pPr>
+            <a:lvl9pPr marL="3106200" indent="-228600" algn="l" defTabSz="457200" rtl="0" eaLnBrk="1" latinLnBrk="0" hangingPunct="1">
+              <a:spcBef>
+                <a:spcPct val="20000"/>
+              </a:spcBef>
+              <a:spcAft>
+                <a:spcPts val="600"/>
+              </a:spcAft>
+              <a:buClr>
+                <a:schemeClr val="tx2"/>
+              </a:buClr>
+              <a:buSzPct val="70000"/>
+              <a:buFont typeface="Wingdings 2" charset="2"/>
+              <a:buChar char=""/>
+              <a:defRPr sz="1400" kern="1200">
+                <a:ln>
+                  <a:solidFill>
+                    <a:schemeClr val="bg1">
+                      <a:lumMod val="75000"/>
+                      <a:lumOff val="25000"/>
+                      <a:alpha val="10000"/>
+                    </a:schemeClr>
+                  </a:solidFill>
+                </a:ln>
+                <a:solidFill>
+                  <a:schemeClr val="tx2"/>
+                </a:solidFill>
+                <a:effectLst>
+                  <a:outerShdw blurRad="9525" dist="25400" dir="14640000" algn="tl" rotWithShape="0">
+                    <a:schemeClr val="bg1">
+                      <a:alpha val="30000"/>
+                    </a:schemeClr>
+                  </a:outerShdw>
+                </a:effectLst>
+                <a:latin typeface="+mn-lt"/>
+                <a:ea typeface="+mn-ea"/>
+                <a:cs typeface="+mn-cs"/>
+              </a:defRPr>
+            </a:lvl9pPr>
+          </a:lstStyle>
+          <a:p>
+            <a:r>
+              <a:rPr lang="fr-CH" dirty="0" err="1" smtClean="0"/>
+              <a:t>Mathematica</a:t>
+            </a:r>
+            <a:r>
+              <a:rPr lang="fr-CH" dirty="0" smtClean="0"/>
+              <a:t> (suite)</a:t>
+            </a:r>
+            <a:endParaRPr lang="fr-CH" dirty="0"/>
+          </a:p>
+        </p:txBody>
+      </p:sp>
+    </p:spTree>
+    <p:extLst>
+      <p:ext uri="{BB962C8B-B14F-4D97-AF65-F5344CB8AC3E}">
+        <p14:creationId xmlns:p14="http://schemas.microsoft.com/office/powerpoint/2010/main" val="1390371606"/>
+      </p:ext>
+    </p:extLst>
+  </p:cSld>
+  <p:clrMapOvr>
+    <a:masterClrMapping/>
+  </p:clrMapOvr>
+</p:sld>
+</file>
+
+<file path=ppt/slides/slide11.xml><?xml version="1.0" encoding="utf-8"?>
+<p:sld xmlns:a="http://schemas.openxmlformats.org/drawingml/2006/main" xmlns:r="http://schemas.openxmlformats.org/officeDocument/2006/relationships" xmlns:p="http://schemas.openxmlformats.org/presentationml/2006/main">
+  <p:cSld>
+    <p:spTree>
+      <p:nvGrpSpPr>
+        <p:cNvPr id="1" name=""/>
+        <p:cNvGrpSpPr/>
+        <p:nvPr/>
+      </p:nvGrpSpPr>
+      <p:grpSpPr>
+        <a:xfrm>
+          <a:off x="0" y="0"/>
+          <a:ext cx="0" cy="0"/>
+          <a:chOff x="0" y="0"/>
+          <a:chExt cx="0" cy="0"/>
+        </a:xfrm>
+      </p:grpSpPr>
+      <p:sp>
+        <p:nvSpPr>
+          <p:cNvPr id="2" name="Titre 1"/>
+          <p:cNvSpPr>
+            <a:spLocks noGrp="1"/>
+          </p:cNvSpPr>
+          <p:nvPr>
+            <p:ph type="title"/>
+          </p:nvPr>
+        </p:nvSpPr>
+        <p:spPr/>
+        <p:txBody>
+          <a:bodyPr/>
+          <a:lstStyle/>
+          <a:p>
+            <a:r>
+              <a:rPr lang="fr-CH" dirty="0" smtClean="0"/>
+              <a:t>Visualisation 3D</a:t>
+            </a:r>
+            <a:endParaRPr lang="fr-CH" dirty="0"/>
+          </a:p>
+        </p:txBody>
+      </p:sp>
+      <p:sp>
+        <p:nvSpPr>
+          <p:cNvPr id="3" name="Espace réservé du contenu 2"/>
+          <p:cNvSpPr>
+            <a:spLocks noGrp="1"/>
+          </p:cNvSpPr>
+          <p:nvPr>
+            <p:ph idx="1"/>
+          </p:nvPr>
+        </p:nvSpPr>
+        <p:spPr/>
+        <p:txBody>
+          <a:bodyPr/>
+          <a:lstStyle/>
+          <a:p>
+            <a:r>
+              <a:rPr lang="fr-CH" dirty="0"/>
+              <a:t>http://www.wolframalpha.com</a:t>
+            </a:r>
+          </a:p>
+        </p:txBody>
+      </p:sp>
+      <p:pic>
+        <p:nvPicPr>
+          <p:cNvPr id="4" name="Image 3"/>
+          <p:cNvPicPr>
+            <a:picLocks noChangeAspect="1"/>
+          </p:cNvPicPr>
+          <p:nvPr/>
+        </p:nvPicPr>
+        <p:blipFill>
+          <a:blip r:embed="rId2">
+            <a:extLst>
+              <a:ext uri="{28A0092B-C50C-407E-A947-70E740481C1C}">
+                <a14:useLocalDpi xmlns:a14="http://schemas.microsoft.com/office/drawing/2010/main" val="0"/>
+              </a:ext>
+            </a:extLst>
+          </a:blip>
+          <a:stretch>
+            <a:fillRect/>
+          </a:stretch>
+        </p:blipFill>
+        <p:spPr>
+          <a:xfrm>
+            <a:off x="3326130" y="2236198"/>
+            <a:ext cx="5402850" cy="4266799"/>
+          </a:xfrm>
+          <a:prstGeom prst="rect">
+            <a:avLst/>
+          </a:prstGeom>
+        </p:spPr>
+      </p:pic>
+    </p:spTree>
+    <p:extLst>
+      <p:ext uri="{BB962C8B-B14F-4D97-AF65-F5344CB8AC3E}">
+        <p14:creationId xmlns:p14="http://schemas.microsoft.com/office/powerpoint/2010/main" val="20869954"/>
+      </p:ext>
+    </p:extLst>
+  </p:cSld>
+  <p:clrMapOvr>
+    <a:masterClrMapping/>
+  </p:clrMapOvr>
+</p:sld>
+</file>
+
+<file path=ppt/slides/slide12.xml><?xml version="1.0" encoding="utf-8"?>
+<p:sld xmlns:a="http://schemas.openxmlformats.org/drawingml/2006/main" xmlns:r="http://schemas.openxmlformats.org/officeDocument/2006/relationships" xmlns:p="http://schemas.openxmlformats.org/presentationml/2006/main">
+  <p:cSld>
+    <p:spTree>
+      <p:nvGrpSpPr>
+        <p:cNvPr id="1" name=""/>
+        <p:cNvGrpSpPr/>
+        <p:nvPr/>
+      </p:nvGrpSpPr>
+      <p:grpSpPr>
+        <a:xfrm>
+          <a:off x="0" y="0"/>
+          <a:ext cx="0" cy="0"/>
+          <a:chOff x="0" y="0"/>
+          <a:chExt cx="0" cy="0"/>
+        </a:xfrm>
+      </p:grpSpPr>
+      <p:sp>
+        <p:nvSpPr>
+          <p:cNvPr id="2" name="Titre 1"/>
+          <p:cNvSpPr>
+            <a:spLocks noGrp="1"/>
+          </p:cNvSpPr>
+          <p:nvPr>
+            <p:ph type="title"/>
+          </p:nvPr>
+        </p:nvSpPr>
+        <p:spPr/>
+        <p:txBody>
+          <a:bodyPr/>
+          <a:lstStyle/>
+          <a:p>
+            <a:r>
+              <a:rPr lang="fr-CH" dirty="0"/>
+              <a:t>Visualisation 3D</a:t>
+            </a:r>
+          </a:p>
+        </p:txBody>
+      </p:sp>
+      <p:sp>
+        <p:nvSpPr>
+          <p:cNvPr id="3" name="Espace réservé du contenu 2"/>
+          <p:cNvSpPr>
+            <a:spLocks noGrp="1"/>
+          </p:cNvSpPr>
+          <p:nvPr>
+            <p:ph idx="1"/>
+          </p:nvPr>
+        </p:nvSpPr>
+        <p:spPr/>
+        <p:txBody>
+          <a:bodyPr/>
+          <a:lstStyle/>
+          <a:p>
+            <a:r>
+              <a:rPr lang="fr-CH" dirty="0"/>
+              <a:t>surfer </a:t>
+            </a:r>
+            <a:r>
+              <a:rPr lang="fr-CH" dirty="0" smtClean="0"/>
+              <a:t> =&gt;  </a:t>
+            </a:r>
+            <a:r>
+              <a:rPr lang="fr-CH" dirty="0"/>
+              <a:t>http://imaginary.org/program/surfer</a:t>
+            </a:r>
+          </a:p>
+        </p:txBody>
+      </p:sp>
+      <p:pic>
+        <p:nvPicPr>
+          <p:cNvPr id="4" name="Image 3"/>
+          <p:cNvPicPr>
+            <a:picLocks noChangeAspect="1"/>
+          </p:cNvPicPr>
+          <p:nvPr/>
+        </p:nvPicPr>
+        <p:blipFill>
+          <a:blip r:embed="rId2">
+            <a:extLst>
+              <a:ext uri="{28A0092B-C50C-407E-A947-70E740481C1C}">
+                <a14:useLocalDpi xmlns:a14="http://schemas.microsoft.com/office/drawing/2010/main" val="0"/>
+              </a:ext>
+            </a:extLst>
+          </a:blip>
+          <a:stretch>
+            <a:fillRect/>
+          </a:stretch>
+        </p:blipFill>
+        <p:spPr>
+          <a:xfrm>
+            <a:off x="1180712" y="2228623"/>
+            <a:ext cx="7624547" cy="4457927"/>
+          </a:xfrm>
+          <a:prstGeom prst="rect">
+            <a:avLst/>
+          </a:prstGeom>
+        </p:spPr>
+      </p:pic>
+    </p:spTree>
+    <p:extLst>
+      <p:ext uri="{BB962C8B-B14F-4D97-AF65-F5344CB8AC3E}">
+        <p14:creationId xmlns:p14="http://schemas.microsoft.com/office/powerpoint/2010/main" val="2716985224"/>
+      </p:ext>
+    </p:extLst>
+  </p:cSld>
+  <p:clrMapOvr>
+    <a:masterClrMapping/>
+  </p:clrMapOvr>
+</p:sld>
+</file>
+
+<file path=ppt/slides/slide13.xml><?xml version="1.0" encoding="utf-8"?>
+<p:sld xmlns:a="http://schemas.openxmlformats.org/drawingml/2006/main" xmlns:r="http://schemas.openxmlformats.org/officeDocument/2006/relationships" xmlns:p="http://schemas.openxmlformats.org/presentationml/2006/main">
+  <p:cSld>
+    <p:spTree>
+      <p:nvGrpSpPr>
+        <p:cNvPr id="1" name=""/>
+        <p:cNvGrpSpPr/>
+        <p:nvPr/>
+      </p:nvGrpSpPr>
+      <p:grpSpPr>
+        <a:xfrm>
+          <a:off x="0" y="0"/>
+          <a:ext cx="0" cy="0"/>
+          <a:chOff x="0" y="0"/>
+          <a:chExt cx="0" cy="0"/>
+        </a:xfrm>
+      </p:grpSpPr>
+      <p:sp>
+        <p:nvSpPr>
+          <p:cNvPr id="2" name="Titre 1"/>
+          <p:cNvSpPr>
+            <a:spLocks noGrp="1"/>
+          </p:cNvSpPr>
+          <p:nvPr>
+            <p:ph type="title"/>
+          </p:nvPr>
+        </p:nvSpPr>
+        <p:spPr/>
+        <p:txBody>
+          <a:bodyPr/>
+          <a:lstStyle/>
+          <a:p>
+            <a:r>
+              <a:rPr lang="fr-CH" dirty="0" smtClean="0"/>
+              <a:t>Démonstration</a:t>
+            </a:r>
+            <a:endParaRPr lang="fr-CH" dirty="0"/>
+          </a:p>
+        </p:txBody>
+      </p:sp>
+      <p:sp>
+        <p:nvSpPr>
+          <p:cNvPr id="3" name="Espace réservé du contenu 2"/>
+          <p:cNvSpPr>
+            <a:spLocks noGrp="1"/>
+          </p:cNvSpPr>
+          <p:nvPr>
+            <p:ph idx="1"/>
+          </p:nvPr>
+        </p:nvSpPr>
+        <p:spPr/>
+        <p:txBody>
+          <a:bodyPr/>
+          <a:lstStyle/>
+          <a:p>
+            <a:endParaRPr lang="fr-CH"/>
+          </a:p>
+        </p:txBody>
+      </p:sp>
+    </p:spTree>
+    <p:extLst>
+      <p:ext uri="{BB962C8B-B14F-4D97-AF65-F5344CB8AC3E}">
+        <p14:creationId xmlns:p14="http://schemas.microsoft.com/office/powerpoint/2010/main" val="3499559741"/>
+      </p:ext>
+    </p:extLst>
+  </p:cSld>
+  <p:clrMapOvr>
+    <a:masterClrMapping/>
+  </p:clrMapOvr>
+  <p:timing>
+    <p:tnLst>
+      <p:par>
+        <p:cTn id="1" dur="indefinite" restart="never" nodeType="tmRoot"/>
+      </p:par>
+    </p:tnLst>
+  </p:timing>
+</p:sld>
+</file>
+
 <file path=ppt/slides/slide2.xml><?xml version="1.0" encoding="utf-8"?>
 <p:sld xmlns:a="http://schemas.openxmlformats.org/drawingml/2006/main" xmlns:r="http://schemas.openxmlformats.org/officeDocument/2006/relationships" xmlns:p="http://schemas.openxmlformats.org/presentationml/2006/main">
   <p:cSld>
@@ -6208,13 +6979,22 @@
           <a:bodyPr/>
           <a:lstStyle/>
           <a:p>
-            <a:r>
-              <a:rPr lang="fr-CH" dirty="0"/>
-              <a:t>É</a:t>
-            </a:r>
+            <a:pPr marL="36900" indent="0">
+              <a:buNone/>
+            </a:pPr>
             <a:r>
               <a:rPr lang="fr-CH" dirty="0" smtClean="0"/>
-              <a:t>criture du système d’équations</a:t>
+              <a:t>Résolution</a:t>
+            </a:r>
+          </a:p>
+          <a:p>
+            <a:r>
+              <a:rPr lang="fr-CH" dirty="0" smtClean="0"/>
+              <a:t>Écriture </a:t>
+            </a:r>
+            <a:r>
+              <a:rPr lang="fr-CH" dirty="0" smtClean="0"/>
+              <a:t>du système d’équations</a:t>
             </a:r>
           </a:p>
           <a:p>
@@ -6226,8 +7006,32 @@
           <a:p>
             <a:r>
               <a:rPr lang="fr-CH" dirty="0" smtClean="0"/>
-              <a:t>Résolution algébrique</a:t>
-            </a:r>
+              <a:t>Résolution </a:t>
+            </a:r>
+            <a:r>
+              <a:rPr lang="fr-CH" dirty="0" smtClean="0"/>
+              <a:t>algébrique</a:t>
+            </a:r>
+          </a:p>
+          <a:p>
+            <a:endParaRPr lang="fr-CH" dirty="0"/>
+          </a:p>
+          <a:p>
+            <a:pPr marL="36900" indent="0">
+              <a:buNone/>
+            </a:pPr>
+            <a:r>
+              <a:rPr lang="fr-CH" dirty="0" smtClean="0"/>
+              <a:t>Visualisation des systèmes d’équations linéaires en 3D</a:t>
+            </a:r>
+          </a:p>
+          <a:p>
+            <a:pPr marL="36900" indent="0">
+              <a:buNone/>
+            </a:pPr>
+            <a:endParaRPr lang="fr-CH" dirty="0" smtClean="0"/>
+          </a:p>
+          <a:p>
             <a:endParaRPr lang="fr-CH" dirty="0"/>
           </a:p>
         </p:txBody>
@@ -6823,7 +7627,7 @@
           <a:p>
             <a:r>
               <a:rPr lang="fr-CH" dirty="0" smtClean="0"/>
-              <a:t>Démonstration</a:t>
+              <a:t>Visualisation 3D</a:t>
             </a:r>
             <a:endParaRPr lang="fr-CH" dirty="0"/>
           </a:p>
@@ -6844,27 +7648,54 @@
           <a:bodyPr/>
           <a:lstStyle/>
           <a:p>
-            <a:endParaRPr lang="fr-CH"/>
-          </a:p>
-        </p:txBody>
-      </p:sp>
+            <a:r>
+              <a:rPr lang="fr-CH" dirty="0" err="1" smtClean="0"/>
+              <a:t>Mathematica</a:t>
+            </a:r>
+            <a:endParaRPr lang="fr-CH" dirty="0"/>
+          </a:p>
+        </p:txBody>
+      </p:sp>
+      <p:pic>
+        <p:nvPicPr>
+          <p:cNvPr id="5" name="Image 4"/>
+          <p:cNvPicPr>
+            <a:picLocks noChangeAspect="1"/>
+          </p:cNvPicPr>
+          <p:nvPr/>
+        </p:nvPicPr>
+        <p:blipFill>
+          <a:blip r:embed="rId2">
+            <a:extLst>
+              <a:ext uri="{28A0092B-C50C-407E-A947-70E740481C1C}">
+                <a14:useLocalDpi xmlns:a14="http://schemas.microsoft.com/office/drawing/2010/main" val="0"/>
+              </a:ext>
+            </a:extLst>
+          </a:blip>
+          <a:stretch>
+            <a:fillRect/>
+          </a:stretch>
+        </p:blipFill>
+        <p:spPr>
+          <a:xfrm>
+            <a:off x="-3993" y="2496091"/>
+            <a:ext cx="9144000" cy="3991797"/>
+          </a:xfrm>
+          <a:prstGeom prst="rect">
+            <a:avLst/>
+          </a:prstGeom>
+        </p:spPr>
+      </p:pic>
     </p:spTree>
     <p:extLst>
       <p:ext uri="{BB962C8B-B14F-4D97-AF65-F5344CB8AC3E}">
-        <p14:creationId xmlns:p14="http://schemas.microsoft.com/office/powerpoint/2010/main" val="3499559741"/>
+        <p14:creationId xmlns:p14="http://schemas.microsoft.com/office/powerpoint/2010/main" val="1399139084"/>
       </p:ext>
     </p:extLst>
   </p:cSld>
   <p:clrMapOvr>
     <a:masterClrMapping/>
   </p:clrMapOvr>
-  <p:timing>
-    <p:tnLst>
-      <p:par>
-        <p:cTn id="1" dur="indefinite" restart="never" nodeType="tmRoot"/>
-      </p:par>
-    </p:tnLst>
-  </p:timing>
 </p:sld>
 </file>
 

--- a/Projet Hes d'été/4. Cloture/Présentation NSolver v2.pptx
+++ b/Projet Hes d'été/4. Cloture/Présentation NSolver v2.pptx
@@ -6,18 +6,26 @@
   </p:sldMasterIdLst>
   <p:sldIdLst>
     <p:sldId id="256" r:id="rId2"/>
-    <p:sldId id="264" r:id="rId3"/>
-    <p:sldId id="263" r:id="rId4"/>
-    <p:sldId id="258" r:id="rId5"/>
-    <p:sldId id="257" r:id="rId6"/>
-    <p:sldId id="260" r:id="rId7"/>
-    <p:sldId id="261" r:id="rId8"/>
-    <p:sldId id="259" r:id="rId9"/>
-    <p:sldId id="265" r:id="rId10"/>
-    <p:sldId id="266" r:id="rId11"/>
-    <p:sldId id="267" r:id="rId12"/>
-    <p:sldId id="268" r:id="rId13"/>
-    <p:sldId id="262" r:id="rId14"/>
+    <p:sldId id="276" r:id="rId3"/>
+    <p:sldId id="264" r:id="rId4"/>
+    <p:sldId id="263" r:id="rId5"/>
+    <p:sldId id="258" r:id="rId6"/>
+    <p:sldId id="257" r:id="rId7"/>
+    <p:sldId id="260" r:id="rId8"/>
+    <p:sldId id="261" r:id="rId9"/>
+    <p:sldId id="259" r:id="rId10"/>
+    <p:sldId id="265" r:id="rId11"/>
+    <p:sldId id="266" r:id="rId12"/>
+    <p:sldId id="267" r:id="rId13"/>
+    <p:sldId id="268" r:id="rId14"/>
+    <p:sldId id="262" r:id="rId15"/>
+    <p:sldId id="269" r:id="rId16"/>
+    <p:sldId id="270" r:id="rId17"/>
+    <p:sldId id="271" r:id="rId18"/>
+    <p:sldId id="272" r:id="rId19"/>
+    <p:sldId id="273" r:id="rId20"/>
+    <p:sldId id="274" r:id="rId21"/>
+    <p:sldId id="275" r:id="rId22"/>
   </p:sldIdLst>
   <p:sldSz cx="9144000" cy="6858000" type="screen4x3"/>
   <p:notesSz cx="6858000" cy="9144000"/>
@@ -6079,16 +6087,24 @@
           <a:lstStyle/>
           <a:p>
             <a:r>
+              <a:rPr lang="fr-CH" dirty="0" smtClean="0"/>
+              <a:t>2 année DLM, </a:t>
+            </a:r>
+            <a:r>
               <a:rPr lang="fr-CH" dirty="0"/>
-              <a:t>Année 2, Projet </a:t>
-            </a:r>
-            <a:r>
-              <a:rPr lang="fr-CH" dirty="0" err="1" smtClean="0"/>
-              <a:t>hes</a:t>
+              <a:t>Projet </a:t>
             </a:r>
             <a:r>
               <a:rPr lang="fr-CH" dirty="0" smtClean="0"/>
-              <a:t> d’été</a:t>
+              <a:t>HES</a:t>
+            </a:r>
+            <a:r>
+              <a:rPr lang="fr-CH" dirty="0" smtClean="0"/>
+              <a:t> </a:t>
+            </a:r>
+            <a:r>
+              <a:rPr lang="fr-CH" dirty="0" smtClean="0"/>
+              <a:t>d’été</a:t>
             </a:r>
             <a:endParaRPr lang="fr-CH" dirty="0"/>
           </a:p>
@@ -6195,21 +6211,43 @@
           <a:lstStyle/>
           <a:p>
             <a:r>
-              <a:rPr lang="fr-CH" dirty="0"/>
+              <a:rPr lang="fr-CH" dirty="0" smtClean="0"/>
               <a:t>Visualisation 3D</a:t>
             </a:r>
+            <a:endParaRPr lang="fr-CH" dirty="0"/>
+          </a:p>
+        </p:txBody>
+      </p:sp>
+      <p:sp>
+        <p:nvSpPr>
+          <p:cNvPr id="3" name="Espace réservé du contenu 2"/>
+          <p:cNvSpPr>
+            <a:spLocks noGrp="1"/>
+          </p:cNvSpPr>
+          <p:nvPr>
+            <p:ph idx="1"/>
+          </p:nvPr>
+        </p:nvSpPr>
+        <p:spPr/>
+        <p:txBody>
+          <a:bodyPr/>
+          <a:lstStyle/>
+          <a:p>
+            <a:r>
+              <a:rPr lang="fr-CH" dirty="0" err="1" smtClean="0"/>
+              <a:t>Mathematica</a:t>
+            </a:r>
+            <a:endParaRPr lang="fr-CH" dirty="0"/>
           </a:p>
         </p:txBody>
       </p:sp>
       <p:pic>
         <p:nvPicPr>
-          <p:cNvPr id="4" name="Espace réservé du contenu 3"/>
+          <p:cNvPr id="5" name="Image 4"/>
           <p:cNvPicPr>
-            <a:picLocks noGrp="1" noChangeAspect="1"/>
+            <a:picLocks noChangeAspect="1"/>
           </p:cNvPicPr>
-          <p:nvPr>
-            <p:ph idx="1"/>
-          </p:nvPr>
+          <p:nvPr/>
         </p:nvPicPr>
         <p:blipFill>
           <a:blip r:embed="rId2">
@@ -6225,7 +6263,91 @@
         </p:blipFill>
         <p:spPr>
           <a:xfrm>
-            <a:off x="2353315" y="2280603"/>
+            <a:off x="-3993" y="2496091"/>
+            <a:ext cx="9144000" cy="3991797"/>
+          </a:xfrm>
+          <a:prstGeom prst="rect">
+            <a:avLst/>
+          </a:prstGeom>
+        </p:spPr>
+      </p:pic>
+    </p:spTree>
+    <p:extLst>
+      <p:ext uri="{BB962C8B-B14F-4D97-AF65-F5344CB8AC3E}">
+        <p14:creationId xmlns:p14="http://schemas.microsoft.com/office/powerpoint/2010/main" val="1399139084"/>
+      </p:ext>
+    </p:extLst>
+  </p:cSld>
+  <p:clrMapOvr>
+    <a:masterClrMapping/>
+  </p:clrMapOvr>
+</p:sld>
+</file>
+
+<file path=ppt/slides/slide11.xml><?xml version="1.0" encoding="utf-8"?>
+<p:sld xmlns:a="http://schemas.openxmlformats.org/drawingml/2006/main" xmlns:r="http://schemas.openxmlformats.org/officeDocument/2006/relationships" xmlns:p="http://schemas.openxmlformats.org/presentationml/2006/main">
+  <p:cSld>
+    <p:spTree>
+      <p:nvGrpSpPr>
+        <p:cNvPr id="1" name=""/>
+        <p:cNvGrpSpPr/>
+        <p:nvPr/>
+      </p:nvGrpSpPr>
+      <p:grpSpPr>
+        <a:xfrm>
+          <a:off x="0" y="0"/>
+          <a:ext cx="0" cy="0"/>
+          <a:chOff x="0" y="0"/>
+          <a:chExt cx="0" cy="0"/>
+        </a:xfrm>
+      </p:grpSpPr>
+      <p:sp>
+        <p:nvSpPr>
+          <p:cNvPr id="2" name="Titre 1"/>
+          <p:cNvSpPr>
+            <a:spLocks noGrp="1"/>
+          </p:cNvSpPr>
+          <p:nvPr>
+            <p:ph type="title"/>
+          </p:nvPr>
+        </p:nvSpPr>
+        <p:spPr/>
+        <p:txBody>
+          <a:bodyPr/>
+          <a:lstStyle/>
+          <a:p>
+            <a:r>
+              <a:rPr lang="fr-CH" dirty="0"/>
+              <a:t>Visualisation 3D</a:t>
+            </a:r>
+          </a:p>
+        </p:txBody>
+      </p:sp>
+      <p:pic>
+        <p:nvPicPr>
+          <p:cNvPr id="4" name="Espace réservé du contenu 3"/>
+          <p:cNvPicPr>
+            <a:picLocks noGrp="1" noChangeAspect="1"/>
+          </p:cNvPicPr>
+          <p:nvPr>
+            <p:ph idx="1"/>
+          </p:nvPr>
+        </p:nvPicPr>
+        <p:blipFill>
+          <a:blip r:embed="rId2">
+            <a:extLst>
+              <a:ext uri="{28A0092B-C50C-407E-A947-70E740481C1C}">
+                <a14:useLocalDpi xmlns:a14="http://schemas.microsoft.com/office/drawing/2010/main" val="0"/>
+              </a:ext>
+            </a:extLst>
+          </a:blip>
+          <a:stretch>
+            <a:fillRect/>
+          </a:stretch>
+        </p:blipFill>
+        <p:spPr>
+          <a:xfrm>
+            <a:off x="2090425" y="2263825"/>
             <a:ext cx="4955163" cy="4059237"/>
           </a:xfrm>
         </p:spPr>
@@ -6628,7 +6750,7 @@
 </p:sld>
 </file>
 
-<file path=ppt/slides/slide11.xml><?xml version="1.0" encoding="utf-8"?>
+<file path=ppt/slides/slide12.xml><?xml version="1.0" encoding="utf-8"?>
 <p:sld xmlns:a="http://schemas.openxmlformats.org/drawingml/2006/main" xmlns:r="http://schemas.openxmlformats.org/officeDocument/2006/relationships" xmlns:p="http://schemas.openxmlformats.org/presentationml/2006/main">
   <p:cSld>
     <p:spTree>
@@ -6712,7 +6834,7 @@
         </p:blipFill>
         <p:spPr>
           <a:xfrm>
-            <a:off x="3326130" y="2236198"/>
+            <a:off x="1866582" y="2219420"/>
             <a:ext cx="5402850" cy="4266799"/>
           </a:xfrm>
           <a:prstGeom prst="rect">
@@ -6724,118 +6846,6 @@
     <p:extLst>
       <p:ext uri="{BB962C8B-B14F-4D97-AF65-F5344CB8AC3E}">
         <p14:creationId xmlns:p14="http://schemas.microsoft.com/office/powerpoint/2010/main" val="20869954"/>
-      </p:ext>
-    </p:extLst>
-  </p:cSld>
-  <p:clrMapOvr>
-    <a:masterClrMapping/>
-  </p:clrMapOvr>
-</p:sld>
-</file>
-
-<file path=ppt/slides/slide12.xml><?xml version="1.0" encoding="utf-8"?>
-<p:sld xmlns:a="http://schemas.openxmlformats.org/drawingml/2006/main" xmlns:r="http://schemas.openxmlformats.org/officeDocument/2006/relationships" xmlns:p="http://schemas.openxmlformats.org/presentationml/2006/main">
-  <p:cSld>
-    <p:spTree>
-      <p:nvGrpSpPr>
-        <p:cNvPr id="1" name=""/>
-        <p:cNvGrpSpPr/>
-        <p:nvPr/>
-      </p:nvGrpSpPr>
-      <p:grpSpPr>
-        <a:xfrm>
-          <a:off x="0" y="0"/>
-          <a:ext cx="0" cy="0"/>
-          <a:chOff x="0" y="0"/>
-          <a:chExt cx="0" cy="0"/>
-        </a:xfrm>
-      </p:grpSpPr>
-      <p:sp>
-        <p:nvSpPr>
-          <p:cNvPr id="2" name="Titre 1"/>
-          <p:cNvSpPr>
-            <a:spLocks noGrp="1"/>
-          </p:cNvSpPr>
-          <p:nvPr>
-            <p:ph type="title"/>
-          </p:nvPr>
-        </p:nvSpPr>
-        <p:spPr/>
-        <p:txBody>
-          <a:bodyPr/>
-          <a:lstStyle/>
-          <a:p>
-            <a:r>
-              <a:rPr lang="fr-CH" dirty="0"/>
-              <a:t>Visualisation 3D</a:t>
-            </a:r>
-          </a:p>
-        </p:txBody>
-      </p:sp>
-      <p:sp>
-        <p:nvSpPr>
-          <p:cNvPr id="3" name="Espace réservé du contenu 2"/>
-          <p:cNvSpPr>
-            <a:spLocks noGrp="1"/>
-          </p:cNvSpPr>
-          <p:nvPr>
-            <p:ph idx="1"/>
-          </p:nvPr>
-        </p:nvSpPr>
-        <p:spPr/>
-        <p:txBody>
-          <a:bodyPr/>
-          <a:lstStyle/>
-          <a:p>
-            <a:r>
-              <a:rPr lang="fr-CH" dirty="0"/>
-              <a:t>surfer </a:t>
-            </a:r>
-            <a:r>
-              <a:rPr lang="fr-CH" dirty="0" smtClean="0"/>
-              <a:t> =&gt;  </a:t>
-            </a:r>
-            <a:r>
-              <a:rPr lang="fr-CH" dirty="0"/>
-              <a:t>http://imaginary.org/program/surfer</a:t>
-            </a:r>
-          </a:p>
-        </p:txBody>
-      </p:sp>
-      <p:pic>
-        <p:nvPicPr>
-          <p:cNvPr id="4" name="Image 3"/>
-          <p:cNvPicPr>
-            <a:picLocks noChangeAspect="1"/>
-          </p:cNvPicPr>
-          <p:nvPr/>
-        </p:nvPicPr>
-        <p:blipFill>
-          <a:blip r:embed="rId2">
-            <a:extLst>
-              <a:ext uri="{28A0092B-C50C-407E-A947-70E740481C1C}">
-                <a14:useLocalDpi xmlns:a14="http://schemas.microsoft.com/office/drawing/2010/main" val="0"/>
-              </a:ext>
-            </a:extLst>
-          </a:blip>
-          <a:stretch>
-            <a:fillRect/>
-          </a:stretch>
-        </p:blipFill>
-        <p:spPr>
-          <a:xfrm>
-            <a:off x="1180712" y="2228623"/>
-            <a:ext cx="7624547" cy="4457927"/>
-          </a:xfrm>
-          <a:prstGeom prst="rect">
-            <a:avLst/>
-          </a:prstGeom>
-        </p:spPr>
-      </p:pic>
-    </p:spTree>
-    <p:extLst>
-      <p:ext uri="{BB962C8B-B14F-4D97-AF65-F5344CB8AC3E}">
-        <p14:creationId xmlns:p14="http://schemas.microsoft.com/office/powerpoint/2010/main" val="2716985224"/>
       </p:ext>
     </p:extLst>
   </p:cSld>
@@ -6878,6 +6888,118 @@
           <a:lstStyle/>
           <a:p>
             <a:r>
+              <a:rPr lang="fr-CH" dirty="0"/>
+              <a:t>Visualisation 3D</a:t>
+            </a:r>
+          </a:p>
+        </p:txBody>
+      </p:sp>
+      <p:sp>
+        <p:nvSpPr>
+          <p:cNvPr id="3" name="Espace réservé du contenu 2"/>
+          <p:cNvSpPr>
+            <a:spLocks noGrp="1"/>
+          </p:cNvSpPr>
+          <p:nvPr>
+            <p:ph idx="1"/>
+          </p:nvPr>
+        </p:nvSpPr>
+        <p:spPr/>
+        <p:txBody>
+          <a:bodyPr/>
+          <a:lstStyle/>
+          <a:p>
+            <a:r>
+              <a:rPr lang="fr-CH" dirty="0"/>
+              <a:t>surfer </a:t>
+            </a:r>
+            <a:r>
+              <a:rPr lang="fr-CH" dirty="0" smtClean="0"/>
+              <a:t> =&gt;  </a:t>
+            </a:r>
+            <a:r>
+              <a:rPr lang="fr-CH" dirty="0"/>
+              <a:t>http://imaginary.org/program/surfer</a:t>
+            </a:r>
+          </a:p>
+        </p:txBody>
+      </p:sp>
+      <p:pic>
+        <p:nvPicPr>
+          <p:cNvPr id="4" name="Image 3"/>
+          <p:cNvPicPr>
+            <a:picLocks noChangeAspect="1"/>
+          </p:cNvPicPr>
+          <p:nvPr/>
+        </p:nvPicPr>
+        <p:blipFill>
+          <a:blip r:embed="rId2">
+            <a:extLst>
+              <a:ext uri="{28A0092B-C50C-407E-A947-70E740481C1C}">
+                <a14:useLocalDpi xmlns:a14="http://schemas.microsoft.com/office/drawing/2010/main" val="0"/>
+              </a:ext>
+            </a:extLst>
+          </a:blip>
+          <a:stretch>
+            <a:fillRect/>
+          </a:stretch>
+        </p:blipFill>
+        <p:spPr>
+          <a:xfrm>
+            <a:off x="755733" y="2253790"/>
+            <a:ext cx="7624547" cy="4457927"/>
+          </a:xfrm>
+          <a:prstGeom prst="rect">
+            <a:avLst/>
+          </a:prstGeom>
+        </p:spPr>
+      </p:pic>
+    </p:spTree>
+    <p:extLst>
+      <p:ext uri="{BB962C8B-B14F-4D97-AF65-F5344CB8AC3E}">
+        <p14:creationId xmlns:p14="http://schemas.microsoft.com/office/powerpoint/2010/main" val="2716985224"/>
+      </p:ext>
+    </p:extLst>
+  </p:cSld>
+  <p:clrMapOvr>
+    <a:masterClrMapping/>
+  </p:clrMapOvr>
+</p:sld>
+</file>
+
+<file path=ppt/slides/slide14.xml><?xml version="1.0" encoding="utf-8"?>
+<p:sld xmlns:a="http://schemas.openxmlformats.org/drawingml/2006/main" xmlns:r="http://schemas.openxmlformats.org/officeDocument/2006/relationships" xmlns:p="http://schemas.openxmlformats.org/presentationml/2006/main">
+  <p:cSld>
+    <p:spTree>
+      <p:nvGrpSpPr>
+        <p:cNvPr id="1" name=""/>
+        <p:cNvGrpSpPr/>
+        <p:nvPr/>
+      </p:nvGrpSpPr>
+      <p:grpSpPr>
+        <a:xfrm>
+          <a:off x="0" y="0"/>
+          <a:ext cx="0" cy="0"/>
+          <a:chOff x="0" y="0"/>
+          <a:chExt cx="0" cy="0"/>
+        </a:xfrm>
+      </p:grpSpPr>
+      <p:sp>
+        <p:nvSpPr>
+          <p:cNvPr id="2" name="Titre 1"/>
+          <p:cNvSpPr>
+            <a:spLocks noGrp="1"/>
+          </p:cNvSpPr>
+          <p:nvPr>
+            <p:ph type="title"/>
+          </p:nvPr>
+        </p:nvSpPr>
+        <p:spPr/>
+        <p:txBody>
+          <a:bodyPr/>
+          <a:lstStyle/>
+          <a:p>
+            <a:r>
               <a:rPr lang="fr-CH" dirty="0" smtClean="0"/>
               <a:t>Démonstration</a:t>
             </a:r>
@@ -6924,6 +7046,785 @@
 </p:sld>
 </file>
 
+<file path=ppt/slides/slide15.xml><?xml version="1.0" encoding="utf-8"?>
+<p:sld xmlns:a="http://schemas.openxmlformats.org/drawingml/2006/main" xmlns:r="http://schemas.openxmlformats.org/officeDocument/2006/relationships" xmlns:p="http://schemas.openxmlformats.org/presentationml/2006/main">
+  <p:cSld>
+    <p:spTree>
+      <p:nvGrpSpPr>
+        <p:cNvPr id="1" name=""/>
+        <p:cNvGrpSpPr/>
+        <p:nvPr/>
+      </p:nvGrpSpPr>
+      <p:grpSpPr>
+        <a:xfrm>
+          <a:off x="0" y="0"/>
+          <a:ext cx="0" cy="0"/>
+          <a:chOff x="0" y="0"/>
+          <a:chExt cx="0" cy="0"/>
+        </a:xfrm>
+      </p:grpSpPr>
+      <p:sp>
+        <p:nvSpPr>
+          <p:cNvPr id="2" name="Titre 1"/>
+          <p:cNvSpPr>
+            <a:spLocks noGrp="1"/>
+          </p:cNvSpPr>
+          <p:nvPr>
+            <p:ph type="title"/>
+          </p:nvPr>
+        </p:nvSpPr>
+        <p:spPr/>
+        <p:txBody>
+          <a:bodyPr/>
+          <a:lstStyle/>
+          <a:p>
+            <a:r>
+              <a:rPr lang="fr-FR" b="1" dirty="0">
+                <a:effectLst/>
+              </a:rPr>
+              <a:t>Objectifs principaux</a:t>
+            </a:r>
+            <a:endParaRPr lang="fr-CH" dirty="0"/>
+          </a:p>
+        </p:txBody>
+      </p:sp>
+      <p:sp>
+        <p:nvSpPr>
+          <p:cNvPr id="3" name="Espace réservé du contenu 2"/>
+          <p:cNvSpPr>
+            <a:spLocks noGrp="1"/>
+          </p:cNvSpPr>
+          <p:nvPr>
+            <p:ph idx="1"/>
+          </p:nvPr>
+        </p:nvSpPr>
+        <p:spPr/>
+        <p:txBody>
+          <a:bodyPr/>
+          <a:lstStyle/>
+          <a:p>
+            <a:r>
+              <a:rPr lang="fr-FR" b="1" dirty="0">
+                <a:effectLst/>
+              </a:rPr>
+              <a:t>Conception</a:t>
+            </a:r>
+            <a:endParaRPr lang="fr-CH" b="1" dirty="0">
+              <a:effectLst/>
+            </a:endParaRPr>
+          </a:p>
+          <a:p>
+            <a:pPr lvl="1">
+              <a:buFont typeface="Wingdings" panose="05000000000000000000" pitchFamily="2" charset="2"/>
+              <a:buChar char="ü"/>
+            </a:pPr>
+            <a:r>
+              <a:rPr lang="fr-FR" dirty="0">
+                <a:effectLst/>
+              </a:rPr>
+              <a:t>Remaniement du schéma des classes, principalement au niveau de la communication entre le domaine métier et de l’affichage ;</a:t>
+            </a:r>
+            <a:endParaRPr lang="fr-CH" dirty="0">
+              <a:effectLst/>
+            </a:endParaRPr>
+          </a:p>
+          <a:p>
+            <a:pPr lvl="1">
+              <a:buFont typeface="Wingdings" panose="05000000000000000000" pitchFamily="2" charset="2"/>
+              <a:buChar char="ü"/>
+            </a:pPr>
+            <a:r>
+              <a:rPr lang="fr-FR" dirty="0">
+                <a:effectLst/>
+              </a:rPr>
+              <a:t>Corrections des bugs liés à l’affichage des étapes de résolution ;</a:t>
+            </a:r>
+            <a:endParaRPr lang="fr-CH" dirty="0">
+              <a:effectLst/>
+            </a:endParaRPr>
+          </a:p>
+          <a:p>
+            <a:pPr lvl="1">
+              <a:buFont typeface="Wingdings" panose="05000000000000000000" pitchFamily="2" charset="2"/>
+              <a:buChar char="ü"/>
+            </a:pPr>
+            <a:r>
+              <a:rPr lang="fr-FR" dirty="0">
+                <a:effectLst/>
+              </a:rPr>
+              <a:t>Corrections des bugs liés à la modification d’une équation après résolution de celle-ci.</a:t>
+            </a:r>
+            <a:endParaRPr lang="fr-CH" dirty="0">
+              <a:effectLst/>
+            </a:endParaRPr>
+          </a:p>
+          <a:p>
+            <a:endParaRPr lang="fr-CH" dirty="0"/>
+          </a:p>
+        </p:txBody>
+      </p:sp>
+    </p:spTree>
+    <p:extLst>
+      <p:ext uri="{BB962C8B-B14F-4D97-AF65-F5344CB8AC3E}">
+        <p14:creationId xmlns:p14="http://schemas.microsoft.com/office/powerpoint/2010/main" val="2695935172"/>
+      </p:ext>
+    </p:extLst>
+  </p:cSld>
+  <p:clrMapOvr>
+    <a:masterClrMapping/>
+  </p:clrMapOvr>
+</p:sld>
+</file>
+
+<file path=ppt/slides/slide16.xml><?xml version="1.0" encoding="utf-8"?>
+<p:sld xmlns:a="http://schemas.openxmlformats.org/drawingml/2006/main" xmlns:r="http://schemas.openxmlformats.org/officeDocument/2006/relationships" xmlns:p="http://schemas.openxmlformats.org/presentationml/2006/main">
+  <p:cSld>
+    <p:spTree>
+      <p:nvGrpSpPr>
+        <p:cNvPr id="1" name=""/>
+        <p:cNvGrpSpPr/>
+        <p:nvPr/>
+      </p:nvGrpSpPr>
+      <p:grpSpPr>
+        <a:xfrm>
+          <a:off x="0" y="0"/>
+          <a:ext cx="0" cy="0"/>
+          <a:chOff x="0" y="0"/>
+          <a:chExt cx="0" cy="0"/>
+        </a:xfrm>
+      </p:grpSpPr>
+      <p:sp>
+        <p:nvSpPr>
+          <p:cNvPr id="2" name="Titre 1"/>
+          <p:cNvSpPr>
+            <a:spLocks noGrp="1"/>
+          </p:cNvSpPr>
+          <p:nvPr>
+            <p:ph type="title"/>
+          </p:nvPr>
+        </p:nvSpPr>
+        <p:spPr/>
+        <p:txBody>
+          <a:bodyPr>
+            <a:normAutofit/>
+          </a:bodyPr>
+          <a:lstStyle/>
+          <a:p>
+            <a:r>
+              <a:rPr lang="fr-FR" b="1" dirty="0">
+                <a:effectLst/>
+              </a:rPr>
+              <a:t>Objectifs principaux</a:t>
+            </a:r>
+            <a:endParaRPr lang="fr-CH" dirty="0"/>
+          </a:p>
+        </p:txBody>
+      </p:sp>
+      <p:sp>
+        <p:nvSpPr>
+          <p:cNvPr id="3" name="Espace réservé du contenu 2"/>
+          <p:cNvSpPr>
+            <a:spLocks noGrp="1"/>
+          </p:cNvSpPr>
+          <p:nvPr>
+            <p:ph idx="1"/>
+          </p:nvPr>
+        </p:nvSpPr>
+        <p:spPr/>
+        <p:txBody>
+          <a:bodyPr>
+            <a:normAutofit fontScale="92500" lnSpcReduction="10000"/>
+          </a:bodyPr>
+          <a:lstStyle/>
+          <a:p>
+            <a:r>
+              <a:rPr lang="fr-FR" b="1" dirty="0">
+                <a:effectLst/>
+              </a:rPr>
+              <a:t>UI &amp; </a:t>
+            </a:r>
+            <a:r>
+              <a:rPr lang="fr-FR" b="1" dirty="0" err="1">
+                <a:effectLst/>
+              </a:rPr>
+              <a:t>graphics</a:t>
+            </a:r>
+            <a:r>
+              <a:rPr lang="fr-FR" b="1" dirty="0">
+                <a:effectLst/>
+              </a:rPr>
+              <a:t> design</a:t>
+            </a:r>
+            <a:endParaRPr lang="fr-CH" b="1" dirty="0">
+              <a:effectLst/>
+            </a:endParaRPr>
+          </a:p>
+          <a:p>
+            <a:pPr lvl="1">
+              <a:buFont typeface="Wingdings" panose="05000000000000000000" pitchFamily="2" charset="2"/>
+              <a:buChar char="ü"/>
+            </a:pPr>
+            <a:r>
+              <a:rPr lang="fr-FR" dirty="0">
+                <a:effectLst/>
+              </a:rPr>
+              <a:t>Correction des </a:t>
+            </a:r>
+            <a:r>
+              <a:rPr lang="fr-FR" dirty="0" err="1">
+                <a:effectLst/>
+              </a:rPr>
+              <a:t>layouts</a:t>
+            </a:r>
+            <a:r>
+              <a:rPr lang="fr-FR" dirty="0">
+                <a:effectLst/>
+              </a:rPr>
+              <a:t> de chaque fenêtre pour gérer le redimensionnement dynamique par l’utilisateur ;</a:t>
+            </a:r>
+            <a:endParaRPr lang="fr-CH" dirty="0">
+              <a:effectLst/>
+            </a:endParaRPr>
+          </a:p>
+          <a:p>
+            <a:pPr lvl="1">
+              <a:buFont typeface="Wingdings" panose="05000000000000000000" pitchFamily="2" charset="2"/>
+              <a:buChar char="ü"/>
+            </a:pPr>
+            <a:r>
+              <a:rPr lang="fr-FR" dirty="0">
+                <a:effectLst/>
+              </a:rPr>
+              <a:t>Création d’une classe qui gère la nomenclature des variables indépendantes ;</a:t>
+            </a:r>
+            <a:endParaRPr lang="fr-CH" dirty="0">
+              <a:effectLst/>
+            </a:endParaRPr>
+          </a:p>
+          <a:p>
+            <a:pPr lvl="1">
+              <a:buFont typeface="Wingdings" panose="05000000000000000000" pitchFamily="2" charset="2"/>
+              <a:buChar char="ü"/>
+            </a:pPr>
+            <a:r>
+              <a:rPr lang="fr-FR" dirty="0">
+                <a:effectLst/>
+              </a:rPr>
+              <a:t>Amélioration de l’ergonomie du formulaire de remplissage de la matrice ;</a:t>
+            </a:r>
+            <a:endParaRPr lang="fr-CH" dirty="0">
+              <a:effectLst/>
+            </a:endParaRPr>
+          </a:p>
+          <a:p>
+            <a:r>
+              <a:rPr lang="fr-FR" dirty="0">
+                <a:effectLst/>
+              </a:rPr>
+              <a:t>Nouvelles options :</a:t>
+            </a:r>
+            <a:endParaRPr lang="fr-CH" dirty="0">
+              <a:effectLst/>
+            </a:endParaRPr>
+          </a:p>
+          <a:p>
+            <a:pPr lvl="1">
+              <a:buFont typeface="Wingdings" panose="05000000000000000000" pitchFamily="2" charset="2"/>
+              <a:buChar char="ü"/>
+            </a:pPr>
+            <a:r>
+              <a:rPr lang="fr-FR" dirty="0">
+                <a:effectLst/>
+              </a:rPr>
+              <a:t>second plan d’affichage dans la fenêtre de résolution afin d’afficher deux étapes de résolution simultanément,</a:t>
+            </a:r>
+            <a:endParaRPr lang="fr-CH" dirty="0">
+              <a:effectLst/>
+            </a:endParaRPr>
+          </a:p>
+          <a:p>
+            <a:pPr lvl="1">
+              <a:buFont typeface="Wingdings" panose="05000000000000000000" pitchFamily="2" charset="2"/>
+              <a:buChar char="ü"/>
+            </a:pPr>
+            <a:r>
+              <a:rPr lang="fr-FR" dirty="0">
+                <a:effectLst/>
+              </a:rPr>
+              <a:t>modification de l’espace entre les coefficients lors de l’affichage d’une matrice,</a:t>
+            </a:r>
+            <a:endParaRPr lang="fr-CH" dirty="0">
+              <a:effectLst/>
+            </a:endParaRPr>
+          </a:p>
+          <a:p>
+            <a:pPr lvl="1">
+              <a:buFont typeface="Wingdings" panose="05000000000000000000" pitchFamily="2" charset="2"/>
+              <a:buChar char="ü"/>
+            </a:pPr>
+            <a:r>
+              <a:rPr lang="fr-FR" dirty="0">
+                <a:effectLst/>
+              </a:rPr>
+              <a:t>mise en évidence de la ligne de la matrice qui a été modifiée en dernier.</a:t>
+            </a:r>
+            <a:endParaRPr lang="fr-CH" dirty="0">
+              <a:effectLst/>
+            </a:endParaRPr>
+          </a:p>
+          <a:p>
+            <a:endParaRPr lang="fr-CH" dirty="0"/>
+          </a:p>
+          <a:p>
+            <a:endParaRPr lang="fr-CH" dirty="0"/>
+          </a:p>
+        </p:txBody>
+      </p:sp>
+    </p:spTree>
+    <p:extLst>
+      <p:ext uri="{BB962C8B-B14F-4D97-AF65-F5344CB8AC3E}">
+        <p14:creationId xmlns:p14="http://schemas.microsoft.com/office/powerpoint/2010/main" val="1857162951"/>
+      </p:ext>
+    </p:extLst>
+  </p:cSld>
+  <p:clrMapOvr>
+    <a:masterClrMapping/>
+  </p:clrMapOvr>
+</p:sld>
+</file>
+
+<file path=ppt/slides/slide17.xml><?xml version="1.0" encoding="utf-8"?>
+<p:sld xmlns:a="http://schemas.openxmlformats.org/drawingml/2006/main" xmlns:r="http://schemas.openxmlformats.org/officeDocument/2006/relationships" xmlns:p="http://schemas.openxmlformats.org/presentationml/2006/main">
+  <p:cSld>
+    <p:spTree>
+      <p:nvGrpSpPr>
+        <p:cNvPr id="1" name=""/>
+        <p:cNvGrpSpPr/>
+        <p:nvPr/>
+      </p:nvGrpSpPr>
+      <p:grpSpPr>
+        <a:xfrm>
+          <a:off x="0" y="0"/>
+          <a:ext cx="0" cy="0"/>
+          <a:chOff x="0" y="0"/>
+          <a:chExt cx="0" cy="0"/>
+        </a:xfrm>
+      </p:grpSpPr>
+      <p:sp>
+        <p:nvSpPr>
+          <p:cNvPr id="2" name="Titre 1"/>
+          <p:cNvSpPr>
+            <a:spLocks noGrp="1"/>
+          </p:cNvSpPr>
+          <p:nvPr>
+            <p:ph type="title"/>
+          </p:nvPr>
+        </p:nvSpPr>
+        <p:spPr/>
+        <p:txBody>
+          <a:bodyPr/>
+          <a:lstStyle/>
+          <a:p>
+            <a:r>
+              <a:rPr lang="fr-FR" b="1" dirty="0">
+                <a:effectLst/>
+              </a:rPr>
+              <a:t>Objectifs principaux</a:t>
+            </a:r>
+            <a:endParaRPr lang="fr-CH" dirty="0"/>
+          </a:p>
+        </p:txBody>
+      </p:sp>
+      <p:sp>
+        <p:nvSpPr>
+          <p:cNvPr id="3" name="Espace réservé du contenu 2"/>
+          <p:cNvSpPr>
+            <a:spLocks noGrp="1"/>
+          </p:cNvSpPr>
+          <p:nvPr>
+            <p:ph idx="1"/>
+          </p:nvPr>
+        </p:nvSpPr>
+        <p:spPr/>
+        <p:txBody>
+          <a:bodyPr/>
+          <a:lstStyle/>
+          <a:p>
+            <a:r>
+              <a:rPr lang="fr-FR" b="1" dirty="0">
+                <a:effectLst/>
+              </a:rPr>
+              <a:t>Métier</a:t>
+            </a:r>
+            <a:endParaRPr lang="fr-CH" b="1" dirty="0">
+              <a:effectLst/>
+            </a:endParaRPr>
+          </a:p>
+          <a:p>
+            <a:pPr lvl="1">
+              <a:buFont typeface="Wingdings" panose="05000000000000000000" pitchFamily="2" charset="2"/>
+              <a:buChar char="ü"/>
+            </a:pPr>
+            <a:r>
+              <a:rPr lang="fr-FR" dirty="0">
+                <a:effectLst/>
+              </a:rPr>
+              <a:t>Correction de la méthode de résolution par étape ;</a:t>
+            </a:r>
+            <a:endParaRPr lang="fr-CH" dirty="0">
+              <a:effectLst/>
+            </a:endParaRPr>
+          </a:p>
+          <a:p>
+            <a:pPr lvl="1">
+              <a:buFont typeface="Wingdings" panose="05000000000000000000" pitchFamily="2" charset="2"/>
+              <a:buChar char="ü"/>
+            </a:pPr>
+            <a:r>
+              <a:rPr lang="fr-FR" dirty="0">
+                <a:effectLst/>
+              </a:rPr>
+              <a:t>Spécialisation de la classe Matrix ;</a:t>
+            </a:r>
+            <a:endParaRPr lang="fr-CH" dirty="0">
+              <a:effectLst/>
+            </a:endParaRPr>
+          </a:p>
+          <a:p>
+            <a:pPr lvl="1">
+              <a:buFont typeface="Wingdings" panose="05000000000000000000" pitchFamily="2" charset="2"/>
+              <a:buChar char="ü"/>
+            </a:pPr>
+            <a:r>
+              <a:rPr lang="fr-FR" dirty="0">
+                <a:effectLst/>
+              </a:rPr>
+              <a:t>Ajout des étapes finales de substitution arrière pour une équation à solution non-unique.</a:t>
+            </a:r>
+            <a:endParaRPr lang="fr-CH" dirty="0">
+              <a:effectLst/>
+            </a:endParaRPr>
+          </a:p>
+          <a:p>
+            <a:endParaRPr lang="fr-CH" dirty="0"/>
+          </a:p>
+        </p:txBody>
+      </p:sp>
+    </p:spTree>
+    <p:extLst>
+      <p:ext uri="{BB962C8B-B14F-4D97-AF65-F5344CB8AC3E}">
+        <p14:creationId xmlns:p14="http://schemas.microsoft.com/office/powerpoint/2010/main" val="272831471"/>
+      </p:ext>
+    </p:extLst>
+  </p:cSld>
+  <p:clrMapOvr>
+    <a:masterClrMapping/>
+  </p:clrMapOvr>
+</p:sld>
+</file>
+
+<file path=ppt/slides/slide18.xml><?xml version="1.0" encoding="utf-8"?>
+<p:sld xmlns:a="http://schemas.openxmlformats.org/drawingml/2006/main" xmlns:r="http://schemas.openxmlformats.org/officeDocument/2006/relationships" xmlns:p="http://schemas.openxmlformats.org/presentationml/2006/main">
+  <p:cSld>
+    <p:spTree>
+      <p:nvGrpSpPr>
+        <p:cNvPr id="1" name=""/>
+        <p:cNvGrpSpPr/>
+        <p:nvPr/>
+      </p:nvGrpSpPr>
+      <p:grpSpPr>
+        <a:xfrm>
+          <a:off x="0" y="0"/>
+          <a:ext cx="0" cy="0"/>
+          <a:chOff x="0" y="0"/>
+          <a:chExt cx="0" cy="0"/>
+        </a:xfrm>
+      </p:grpSpPr>
+      <p:sp>
+        <p:nvSpPr>
+          <p:cNvPr id="2" name="Titre 1"/>
+          <p:cNvSpPr>
+            <a:spLocks noGrp="1"/>
+          </p:cNvSpPr>
+          <p:nvPr>
+            <p:ph type="title"/>
+          </p:nvPr>
+        </p:nvSpPr>
+        <p:spPr/>
+        <p:txBody>
+          <a:bodyPr/>
+          <a:lstStyle/>
+          <a:p>
+            <a:r>
+              <a:rPr lang="fr-FR" b="1" dirty="0">
+                <a:effectLst/>
+              </a:rPr>
+              <a:t>Objectifs </a:t>
+            </a:r>
+            <a:r>
+              <a:rPr lang="fr-FR" b="1" dirty="0" smtClean="0">
+                <a:effectLst/>
+              </a:rPr>
+              <a:t>principaux	</a:t>
+            </a:r>
+            <a:endParaRPr lang="fr-CH" dirty="0"/>
+          </a:p>
+        </p:txBody>
+      </p:sp>
+      <p:sp>
+        <p:nvSpPr>
+          <p:cNvPr id="3" name="Espace réservé du contenu 2"/>
+          <p:cNvSpPr>
+            <a:spLocks noGrp="1"/>
+          </p:cNvSpPr>
+          <p:nvPr>
+            <p:ph idx="1"/>
+          </p:nvPr>
+        </p:nvSpPr>
+        <p:spPr/>
+        <p:txBody>
+          <a:bodyPr/>
+          <a:lstStyle/>
+          <a:p>
+            <a:r>
+              <a:rPr lang="fr-FR" b="1" dirty="0">
+                <a:effectLst/>
+              </a:rPr>
+              <a:t>Graphiques</a:t>
+            </a:r>
+            <a:endParaRPr lang="fr-CH" b="1" dirty="0">
+              <a:effectLst/>
+            </a:endParaRPr>
+          </a:p>
+          <a:p>
+            <a:pPr lvl="1">
+              <a:buFont typeface="Wingdings" panose="05000000000000000000" pitchFamily="2" charset="2"/>
+              <a:buChar char="ü"/>
+            </a:pPr>
+            <a:r>
+              <a:rPr lang="fr-FR" dirty="0">
+                <a:effectLst/>
+              </a:rPr>
+              <a:t>Spécialisation de la classe JPanel3D ;</a:t>
+            </a:r>
+            <a:endParaRPr lang="fr-CH" dirty="0">
+              <a:effectLst/>
+            </a:endParaRPr>
+          </a:p>
+          <a:p>
+            <a:pPr lvl="1">
+              <a:buFont typeface="Wingdings" panose="05000000000000000000" pitchFamily="2" charset="2"/>
+              <a:buChar char="ü"/>
+            </a:pPr>
+            <a:r>
+              <a:rPr lang="fr-FR" dirty="0">
+                <a:effectLst/>
+              </a:rPr>
+              <a:t>Ajout d’une option permettant la mise en évidence de domaine de solution ;</a:t>
+            </a:r>
+            <a:endParaRPr lang="fr-CH" dirty="0">
+              <a:effectLst/>
+            </a:endParaRPr>
+          </a:p>
+          <a:p>
+            <a:pPr lvl="1">
+              <a:buFont typeface="Wingdings" panose="05000000000000000000" pitchFamily="2" charset="2"/>
+              <a:buChar char="ü"/>
+            </a:pPr>
+            <a:r>
+              <a:rPr lang="fr-FR" dirty="0">
+                <a:effectLst/>
+              </a:rPr>
+              <a:t>Adaptation de l’affichage graphique pour des systèmes de une à quatre équations et de 2 à 3 inconnues ;</a:t>
+            </a:r>
+            <a:endParaRPr lang="fr-CH" dirty="0">
+              <a:effectLst/>
+            </a:endParaRPr>
+          </a:p>
+          <a:p>
+            <a:pPr lvl="1">
+              <a:buFont typeface="Wingdings" panose="05000000000000000000" pitchFamily="2" charset="2"/>
+              <a:buChar char="ü"/>
+            </a:pPr>
+            <a:r>
+              <a:rPr lang="fr-FR" dirty="0">
+                <a:effectLst/>
+              </a:rPr>
+              <a:t>Ajout d’un menu d'aide.</a:t>
+            </a:r>
+            <a:endParaRPr lang="fr-CH" dirty="0">
+              <a:effectLst/>
+            </a:endParaRPr>
+          </a:p>
+          <a:p>
+            <a:endParaRPr lang="fr-CH" dirty="0"/>
+          </a:p>
+        </p:txBody>
+      </p:sp>
+    </p:spTree>
+    <p:extLst>
+      <p:ext uri="{BB962C8B-B14F-4D97-AF65-F5344CB8AC3E}">
+        <p14:creationId xmlns:p14="http://schemas.microsoft.com/office/powerpoint/2010/main" val="2505957409"/>
+      </p:ext>
+    </p:extLst>
+  </p:cSld>
+  <p:clrMapOvr>
+    <a:masterClrMapping/>
+  </p:clrMapOvr>
+</p:sld>
+</file>
+
+<file path=ppt/slides/slide19.xml><?xml version="1.0" encoding="utf-8"?>
+<p:sld xmlns:a="http://schemas.openxmlformats.org/drawingml/2006/main" xmlns:r="http://schemas.openxmlformats.org/officeDocument/2006/relationships" xmlns:p="http://schemas.openxmlformats.org/presentationml/2006/main">
+  <p:cSld>
+    <p:spTree>
+      <p:nvGrpSpPr>
+        <p:cNvPr id="1" name=""/>
+        <p:cNvGrpSpPr/>
+        <p:nvPr/>
+      </p:nvGrpSpPr>
+      <p:grpSpPr>
+        <a:xfrm>
+          <a:off x="0" y="0"/>
+          <a:ext cx="0" cy="0"/>
+          <a:chOff x="0" y="0"/>
+          <a:chExt cx="0" cy="0"/>
+        </a:xfrm>
+      </p:grpSpPr>
+      <p:sp>
+        <p:nvSpPr>
+          <p:cNvPr id="2" name="Titre 1"/>
+          <p:cNvSpPr>
+            <a:spLocks noGrp="1"/>
+          </p:cNvSpPr>
+          <p:nvPr>
+            <p:ph type="title"/>
+          </p:nvPr>
+        </p:nvSpPr>
+        <p:spPr/>
+        <p:txBody>
+          <a:bodyPr/>
+          <a:lstStyle/>
+          <a:p>
+            <a:r>
+              <a:rPr lang="fr-FR" b="1" dirty="0">
+                <a:effectLst/>
+              </a:rPr>
+              <a:t>Objectifs secondaires</a:t>
+            </a:r>
+            <a:endParaRPr lang="fr-CH" dirty="0"/>
+          </a:p>
+        </p:txBody>
+      </p:sp>
+      <p:sp>
+        <p:nvSpPr>
+          <p:cNvPr id="3" name="Espace réservé du contenu 2"/>
+          <p:cNvSpPr>
+            <a:spLocks noGrp="1"/>
+          </p:cNvSpPr>
+          <p:nvPr>
+            <p:ph idx="1"/>
+          </p:nvPr>
+        </p:nvSpPr>
+        <p:spPr/>
+        <p:txBody>
+          <a:bodyPr/>
+          <a:lstStyle/>
+          <a:p>
+            <a:r>
+              <a:rPr lang="fr-FR" b="1" dirty="0">
+                <a:effectLst/>
+              </a:rPr>
+              <a:t>Conception</a:t>
+            </a:r>
+            <a:endParaRPr lang="fr-CH" b="1" dirty="0">
+              <a:effectLst/>
+            </a:endParaRPr>
+          </a:p>
+          <a:p>
+            <a:pPr lvl="1">
+              <a:buFont typeface="Wingdings 2" panose="05020102010507070707" pitchFamily="18" charset="2"/>
+              <a:buChar char=""/>
+            </a:pPr>
+            <a:r>
+              <a:rPr lang="fr-FR" dirty="0">
+                <a:effectLst/>
+              </a:rPr>
+              <a:t>Sauvegarde et chargement d’une équation au format ".csv" et ".</a:t>
+            </a:r>
+            <a:r>
+              <a:rPr lang="fr-FR" dirty="0" err="1">
+                <a:effectLst/>
+              </a:rPr>
+              <a:t>txt</a:t>
+            </a:r>
+            <a:r>
+              <a:rPr lang="fr-FR" dirty="0">
+                <a:effectLst/>
+              </a:rPr>
+              <a:t>" ;</a:t>
+            </a:r>
+            <a:endParaRPr lang="fr-CH" dirty="0">
+              <a:effectLst/>
+            </a:endParaRPr>
+          </a:p>
+          <a:p>
+            <a:pPr lvl="1">
+              <a:buFont typeface="Wingdings 2" panose="05020102010507070707" pitchFamily="18" charset="2"/>
+              <a:buChar char="O"/>
+            </a:pPr>
+            <a:r>
+              <a:rPr lang="fr-FR" dirty="0">
+                <a:effectLst/>
+              </a:rPr>
+              <a:t>Lancement du programme à partir d'un fichier générer par </a:t>
+            </a:r>
+            <a:r>
+              <a:rPr lang="fr-FR" dirty="0" err="1">
+                <a:effectLst/>
+              </a:rPr>
+              <a:t>NSolver</a:t>
+            </a:r>
+            <a:r>
+              <a:rPr lang="fr-FR" dirty="0">
+                <a:effectLst/>
+              </a:rPr>
+              <a:t> ".</a:t>
+            </a:r>
+            <a:r>
+              <a:rPr lang="fr-FR" dirty="0" err="1">
+                <a:effectLst/>
+              </a:rPr>
+              <a:t>nso</a:t>
+            </a:r>
+            <a:r>
+              <a:rPr lang="fr-FR" dirty="0">
+                <a:effectLst/>
+              </a:rPr>
+              <a:t>".</a:t>
+            </a:r>
+            <a:endParaRPr lang="fr-CH" dirty="0">
+              <a:effectLst/>
+            </a:endParaRPr>
+          </a:p>
+          <a:p>
+            <a:endParaRPr lang="fr-CH" dirty="0"/>
+          </a:p>
+        </p:txBody>
+      </p:sp>
+    </p:spTree>
+    <p:extLst>
+      <p:ext uri="{BB962C8B-B14F-4D97-AF65-F5344CB8AC3E}">
+        <p14:creationId xmlns:p14="http://schemas.microsoft.com/office/powerpoint/2010/main" val="1060218652"/>
+      </p:ext>
+    </p:extLst>
+  </p:cSld>
+  <p:clrMapOvr>
+    <a:masterClrMapping/>
+  </p:clrMapOvr>
+</p:sld>
+</file>
+
 <file path=ppt/slides/slide2.xml><?xml version="1.0" encoding="utf-8"?>
 <p:sld xmlns:a="http://schemas.openxmlformats.org/drawingml/2006/main" xmlns:r="http://schemas.openxmlformats.org/officeDocument/2006/relationships" xmlns:p="http://schemas.openxmlformats.org/presentationml/2006/main">
   <p:cSld>
@@ -6958,6 +7859,347 @@
           <a:p>
             <a:r>
               <a:rPr lang="fr-CH" dirty="0" smtClean="0"/>
+              <a:t>Sommaire</a:t>
+            </a:r>
+            <a:endParaRPr lang="fr-CH" dirty="0"/>
+          </a:p>
+        </p:txBody>
+      </p:sp>
+      <p:sp>
+        <p:nvSpPr>
+          <p:cNvPr id="3" name="Espace réservé du contenu 2"/>
+          <p:cNvSpPr>
+            <a:spLocks noGrp="1"/>
+          </p:cNvSpPr>
+          <p:nvPr>
+            <p:ph idx="1"/>
+          </p:nvPr>
+        </p:nvSpPr>
+        <p:spPr/>
+        <p:txBody>
+          <a:bodyPr/>
+          <a:lstStyle/>
+          <a:p>
+            <a:r>
+              <a:rPr lang="fr-CH" dirty="0" smtClean="0"/>
+              <a:t>État de l’art</a:t>
+            </a:r>
+          </a:p>
+          <a:p>
+            <a:r>
+              <a:rPr lang="fr-CH" dirty="0" smtClean="0"/>
+              <a:t>Démonstration</a:t>
+            </a:r>
+          </a:p>
+          <a:p>
+            <a:r>
+              <a:rPr lang="fr-CH" dirty="0" smtClean="0"/>
+              <a:t>État des objectifs</a:t>
+            </a:r>
+          </a:p>
+        </p:txBody>
+      </p:sp>
+    </p:spTree>
+    <p:extLst>
+      <p:ext uri="{BB962C8B-B14F-4D97-AF65-F5344CB8AC3E}">
+        <p14:creationId xmlns:p14="http://schemas.microsoft.com/office/powerpoint/2010/main" val="91594544"/>
+      </p:ext>
+    </p:extLst>
+  </p:cSld>
+  <p:clrMapOvr>
+    <a:masterClrMapping/>
+  </p:clrMapOvr>
+  <p:timing>
+    <p:tnLst>
+      <p:par>
+        <p:cTn id="1" dur="indefinite" restart="never" nodeType="tmRoot"/>
+      </p:par>
+    </p:tnLst>
+  </p:timing>
+</p:sld>
+</file>
+
+<file path=ppt/slides/slide20.xml><?xml version="1.0" encoding="utf-8"?>
+<p:sld xmlns:a="http://schemas.openxmlformats.org/drawingml/2006/main" xmlns:r="http://schemas.openxmlformats.org/officeDocument/2006/relationships" xmlns:p="http://schemas.openxmlformats.org/presentationml/2006/main">
+  <p:cSld>
+    <p:spTree>
+      <p:nvGrpSpPr>
+        <p:cNvPr id="1" name=""/>
+        <p:cNvGrpSpPr/>
+        <p:nvPr/>
+      </p:nvGrpSpPr>
+      <p:grpSpPr>
+        <a:xfrm>
+          <a:off x="0" y="0"/>
+          <a:ext cx="0" cy="0"/>
+          <a:chOff x="0" y="0"/>
+          <a:chExt cx="0" cy="0"/>
+        </a:xfrm>
+      </p:grpSpPr>
+      <p:sp>
+        <p:nvSpPr>
+          <p:cNvPr id="2" name="Titre 1"/>
+          <p:cNvSpPr>
+            <a:spLocks noGrp="1"/>
+          </p:cNvSpPr>
+          <p:nvPr>
+            <p:ph type="title"/>
+          </p:nvPr>
+        </p:nvSpPr>
+        <p:spPr/>
+        <p:txBody>
+          <a:bodyPr>
+            <a:normAutofit/>
+          </a:bodyPr>
+          <a:lstStyle/>
+          <a:p>
+            <a:r>
+              <a:rPr lang="fr-FR" b="1" dirty="0">
+                <a:effectLst/>
+              </a:rPr>
+              <a:t>Objectifs </a:t>
+            </a:r>
+            <a:r>
+              <a:rPr lang="fr-FR" b="1" dirty="0" smtClean="0">
+                <a:effectLst/>
+              </a:rPr>
+              <a:t>secondaires</a:t>
+            </a:r>
+            <a:endParaRPr lang="fr-CH" dirty="0"/>
+          </a:p>
+        </p:txBody>
+      </p:sp>
+      <p:sp>
+        <p:nvSpPr>
+          <p:cNvPr id="3" name="Espace réservé du contenu 2"/>
+          <p:cNvSpPr>
+            <a:spLocks noGrp="1"/>
+          </p:cNvSpPr>
+          <p:nvPr>
+            <p:ph idx="1"/>
+          </p:nvPr>
+        </p:nvSpPr>
+        <p:spPr/>
+        <p:txBody>
+          <a:bodyPr/>
+          <a:lstStyle/>
+          <a:p>
+            <a:r>
+              <a:rPr lang="fr-FR" b="1" dirty="0">
+                <a:effectLst/>
+              </a:rPr>
+              <a:t>UI &amp; </a:t>
+            </a:r>
+            <a:r>
+              <a:rPr lang="fr-FR" b="1" dirty="0" err="1">
+                <a:effectLst/>
+              </a:rPr>
+              <a:t>graphics</a:t>
+            </a:r>
+            <a:r>
+              <a:rPr lang="fr-FR" b="1" dirty="0">
+                <a:effectLst/>
+              </a:rPr>
+              <a:t> design</a:t>
+            </a:r>
+            <a:endParaRPr lang="fr-CH" b="1" dirty="0">
+              <a:effectLst/>
+            </a:endParaRPr>
+          </a:p>
+          <a:p>
+            <a:pPr lvl="0"/>
+            <a:r>
+              <a:rPr lang="fr-FR" dirty="0">
+                <a:effectLst/>
+              </a:rPr>
+              <a:t>Nouvelles options :</a:t>
+            </a:r>
+            <a:endParaRPr lang="fr-CH" dirty="0">
+              <a:effectLst/>
+            </a:endParaRPr>
+          </a:p>
+          <a:p>
+            <a:pPr lvl="1">
+              <a:buFontTx/>
+              <a:buChar char="≈"/>
+            </a:pPr>
+            <a:r>
+              <a:rPr lang="fr-FR" dirty="0">
+                <a:effectLst/>
+              </a:rPr>
+              <a:t>modification du style et de la taille de la police d’écriture à travers tout le programme,</a:t>
+            </a:r>
+            <a:endParaRPr lang="fr-CH" dirty="0">
+              <a:effectLst/>
+            </a:endParaRPr>
+          </a:p>
+          <a:p>
+            <a:pPr lvl="1">
+              <a:buFont typeface="Wingdings" panose="05000000000000000000" pitchFamily="2" charset="2"/>
+              <a:buChar char="ü"/>
+            </a:pPr>
+            <a:r>
+              <a:rPr lang="fr-FR" dirty="0">
+                <a:effectLst/>
+              </a:rPr>
+              <a:t>affichage des variables dans la matrice.</a:t>
+            </a:r>
+            <a:endParaRPr lang="fr-CH" dirty="0">
+              <a:effectLst/>
+            </a:endParaRPr>
+          </a:p>
+          <a:p>
+            <a:endParaRPr lang="fr-CH" dirty="0"/>
+          </a:p>
+        </p:txBody>
+      </p:sp>
+    </p:spTree>
+    <p:extLst>
+      <p:ext uri="{BB962C8B-B14F-4D97-AF65-F5344CB8AC3E}">
+        <p14:creationId xmlns:p14="http://schemas.microsoft.com/office/powerpoint/2010/main" val="1042631784"/>
+      </p:ext>
+    </p:extLst>
+  </p:cSld>
+  <p:clrMapOvr>
+    <a:masterClrMapping/>
+  </p:clrMapOvr>
+</p:sld>
+</file>
+
+<file path=ppt/slides/slide21.xml><?xml version="1.0" encoding="utf-8"?>
+<p:sld xmlns:a="http://schemas.openxmlformats.org/drawingml/2006/main" xmlns:r="http://schemas.openxmlformats.org/officeDocument/2006/relationships" xmlns:p="http://schemas.openxmlformats.org/presentationml/2006/main">
+  <p:cSld>
+    <p:spTree>
+      <p:nvGrpSpPr>
+        <p:cNvPr id="1" name=""/>
+        <p:cNvGrpSpPr/>
+        <p:nvPr/>
+      </p:nvGrpSpPr>
+      <p:grpSpPr>
+        <a:xfrm>
+          <a:off x="0" y="0"/>
+          <a:ext cx="0" cy="0"/>
+          <a:chOff x="0" y="0"/>
+          <a:chExt cx="0" cy="0"/>
+        </a:xfrm>
+      </p:grpSpPr>
+      <p:sp>
+        <p:nvSpPr>
+          <p:cNvPr id="2" name="Titre 1"/>
+          <p:cNvSpPr>
+            <a:spLocks noGrp="1"/>
+          </p:cNvSpPr>
+          <p:nvPr>
+            <p:ph type="title"/>
+          </p:nvPr>
+        </p:nvSpPr>
+        <p:spPr/>
+        <p:txBody>
+          <a:bodyPr/>
+          <a:lstStyle/>
+          <a:p>
+            <a:r>
+              <a:rPr lang="fr-FR" b="1" dirty="0">
+                <a:effectLst/>
+              </a:rPr>
+              <a:t>Objectifs secondaires</a:t>
+            </a:r>
+            <a:endParaRPr lang="fr-CH" dirty="0"/>
+          </a:p>
+        </p:txBody>
+      </p:sp>
+      <p:sp>
+        <p:nvSpPr>
+          <p:cNvPr id="3" name="Espace réservé du contenu 2"/>
+          <p:cNvSpPr>
+            <a:spLocks noGrp="1"/>
+          </p:cNvSpPr>
+          <p:nvPr>
+            <p:ph idx="1"/>
+          </p:nvPr>
+        </p:nvSpPr>
+        <p:spPr/>
+        <p:txBody>
+          <a:bodyPr/>
+          <a:lstStyle/>
+          <a:p>
+            <a:r>
+              <a:rPr lang="fr-FR" b="1" dirty="0">
+                <a:effectLst/>
+              </a:rPr>
+              <a:t>Graphiques</a:t>
+            </a:r>
+            <a:endParaRPr lang="fr-CH" b="1" dirty="0">
+              <a:effectLst/>
+            </a:endParaRPr>
+          </a:p>
+          <a:p>
+            <a:pPr lvl="1">
+              <a:buFont typeface="Wingdings" panose="05000000000000000000" pitchFamily="2" charset="2"/>
+              <a:buChar char="ü"/>
+            </a:pPr>
+            <a:r>
+              <a:rPr lang="fr-FR" dirty="0">
+                <a:effectLst/>
+              </a:rPr>
+              <a:t>Correction d’un bug altérant légèrement l’affichage de plans verticaux.</a:t>
+            </a:r>
+            <a:endParaRPr lang="fr-CH" dirty="0">
+              <a:effectLst/>
+            </a:endParaRPr>
+          </a:p>
+          <a:p>
+            <a:endParaRPr lang="fr-CH" dirty="0"/>
+          </a:p>
+        </p:txBody>
+      </p:sp>
+    </p:spTree>
+    <p:extLst>
+      <p:ext uri="{BB962C8B-B14F-4D97-AF65-F5344CB8AC3E}">
+        <p14:creationId xmlns:p14="http://schemas.microsoft.com/office/powerpoint/2010/main" val="3704901457"/>
+      </p:ext>
+    </p:extLst>
+  </p:cSld>
+  <p:clrMapOvr>
+    <a:masterClrMapping/>
+  </p:clrMapOvr>
+</p:sld>
+</file>
+
+<file path=ppt/slides/slide3.xml><?xml version="1.0" encoding="utf-8"?>
+<p:sld xmlns:a="http://schemas.openxmlformats.org/drawingml/2006/main" xmlns:r="http://schemas.openxmlformats.org/officeDocument/2006/relationships" xmlns:p="http://schemas.openxmlformats.org/presentationml/2006/main">
+  <p:cSld>
+    <p:spTree>
+      <p:nvGrpSpPr>
+        <p:cNvPr id="1" name=""/>
+        <p:cNvGrpSpPr/>
+        <p:nvPr/>
+      </p:nvGrpSpPr>
+      <p:grpSpPr>
+        <a:xfrm>
+          <a:off x="0" y="0"/>
+          <a:ext cx="0" cy="0"/>
+          <a:chOff x="0" y="0"/>
+          <a:chExt cx="0" cy="0"/>
+        </a:xfrm>
+      </p:grpSpPr>
+      <p:sp>
+        <p:nvSpPr>
+          <p:cNvPr id="2" name="Titre 1"/>
+          <p:cNvSpPr>
+            <a:spLocks noGrp="1"/>
+          </p:cNvSpPr>
+          <p:nvPr>
+            <p:ph type="title"/>
+          </p:nvPr>
+        </p:nvSpPr>
+        <p:spPr/>
+        <p:txBody>
+          <a:bodyPr/>
+          <a:lstStyle/>
+          <a:p>
+            <a:r>
+              <a:rPr lang="fr-CH" dirty="0" smtClean="0"/>
               <a:t>État de l’art</a:t>
             </a:r>
             <a:endParaRPr lang="fr-CH" dirty="0"/>
@@ -6990,11 +8232,7 @@
           <a:p>
             <a:r>
               <a:rPr lang="fr-CH" dirty="0" smtClean="0"/>
-              <a:t>Écriture </a:t>
-            </a:r>
-            <a:r>
-              <a:rPr lang="fr-CH" dirty="0" smtClean="0"/>
-              <a:t>du système d’équations</a:t>
+              <a:t>Écriture du système d’équations</a:t>
             </a:r>
           </a:p>
           <a:p>
@@ -7006,11 +8244,7 @@
           <a:p>
             <a:r>
               <a:rPr lang="fr-CH" dirty="0" smtClean="0"/>
-              <a:t>Résolution </a:t>
-            </a:r>
-            <a:r>
-              <a:rPr lang="fr-CH" dirty="0" smtClean="0"/>
-              <a:t>algébrique</a:t>
+              <a:t>Résolution algébrique</a:t>
             </a:r>
           </a:p>
           <a:p>
@@ -7056,7 +8290,7 @@
 </p:sld>
 </file>
 
-<file path=ppt/slides/slide3.xml><?xml version="1.0" encoding="utf-8"?>
+<file path=ppt/slides/slide4.xml><?xml version="1.0" encoding="utf-8"?>
 <p:sld xmlns:a="http://schemas.openxmlformats.org/drawingml/2006/main" xmlns:r="http://schemas.openxmlformats.org/officeDocument/2006/relationships" xmlns:p="http://schemas.openxmlformats.org/presentationml/2006/main">
   <p:cSld>
     <p:spTree>
@@ -7151,7 +8385,7 @@
 </p:sld>
 </file>
 
-<file path=ppt/slides/slide4.xml><?xml version="1.0" encoding="utf-8"?>
+<file path=ppt/slides/slide5.xml><?xml version="1.0" encoding="utf-8"?>
 <p:sld xmlns:a="http://schemas.openxmlformats.org/drawingml/2006/main" xmlns:r="http://schemas.openxmlformats.org/officeDocument/2006/relationships" xmlns:p="http://schemas.openxmlformats.org/presentationml/2006/main">
   <p:cSld>
     <p:spTree>
@@ -7241,7 +8475,7 @@
 </p:sld>
 </file>
 
-<file path=ppt/slides/slide5.xml><?xml version="1.0" encoding="utf-8"?>
+<file path=ppt/slides/slide6.xml><?xml version="1.0" encoding="utf-8"?>
 <p:sld xmlns:a="http://schemas.openxmlformats.org/drawingml/2006/main" xmlns:r="http://schemas.openxmlformats.org/officeDocument/2006/relationships" xmlns:p="http://schemas.openxmlformats.org/presentationml/2006/main">
   <p:cSld>
     <p:spTree>
@@ -7330,7 +8564,7 @@
 </p:sld>
 </file>
 
-<file path=ppt/slides/slide6.xml><?xml version="1.0" encoding="utf-8"?>
+<file path=ppt/slides/slide7.xml><?xml version="1.0" encoding="utf-8"?>
 <p:sld xmlns:a="http://schemas.openxmlformats.org/drawingml/2006/main" xmlns:r="http://schemas.openxmlformats.org/officeDocument/2006/relationships" xmlns:p="http://schemas.openxmlformats.org/presentationml/2006/main">
   <p:cSld>
     <p:spTree>
@@ -7417,7 +8651,7 @@
 </p:sld>
 </file>
 
-<file path=ppt/slides/slide7.xml><?xml version="1.0" encoding="utf-8"?>
+<file path=ppt/slides/slide8.xml><?xml version="1.0" encoding="utf-8"?>
 <p:sld xmlns:a="http://schemas.openxmlformats.org/drawingml/2006/main" xmlns:r="http://schemas.openxmlformats.org/officeDocument/2006/relationships" xmlns:p="http://schemas.openxmlformats.org/presentationml/2006/main">
   <p:cSld>
     <p:spTree>
@@ -7504,7 +8738,7 @@
 </p:sld>
 </file>
 
-<file path=ppt/slides/slide8.xml><?xml version="1.0" encoding="utf-8"?>
+<file path=ppt/slides/slide9.xml><?xml version="1.0" encoding="utf-8"?>
 <p:sld xmlns:a="http://schemas.openxmlformats.org/drawingml/2006/main" xmlns:r="http://schemas.openxmlformats.org/officeDocument/2006/relationships" xmlns:p="http://schemas.openxmlformats.org/presentationml/2006/main">
   <p:cSld>
     <p:spTree>
@@ -7590,112 +8824,6 @@
       </p:par>
     </p:tnLst>
   </p:timing>
-</p:sld>
-</file>
-
-<file path=ppt/slides/slide9.xml><?xml version="1.0" encoding="utf-8"?>
-<p:sld xmlns:a="http://schemas.openxmlformats.org/drawingml/2006/main" xmlns:r="http://schemas.openxmlformats.org/officeDocument/2006/relationships" xmlns:p="http://schemas.openxmlformats.org/presentationml/2006/main">
-  <p:cSld>
-    <p:spTree>
-      <p:nvGrpSpPr>
-        <p:cNvPr id="1" name=""/>
-        <p:cNvGrpSpPr/>
-        <p:nvPr/>
-      </p:nvGrpSpPr>
-      <p:grpSpPr>
-        <a:xfrm>
-          <a:off x="0" y="0"/>
-          <a:ext cx="0" cy="0"/>
-          <a:chOff x="0" y="0"/>
-          <a:chExt cx="0" cy="0"/>
-        </a:xfrm>
-      </p:grpSpPr>
-      <p:sp>
-        <p:nvSpPr>
-          <p:cNvPr id="2" name="Titre 1"/>
-          <p:cNvSpPr>
-            <a:spLocks noGrp="1"/>
-          </p:cNvSpPr>
-          <p:nvPr>
-            <p:ph type="title"/>
-          </p:nvPr>
-        </p:nvSpPr>
-        <p:spPr/>
-        <p:txBody>
-          <a:bodyPr/>
-          <a:lstStyle/>
-          <a:p>
-            <a:r>
-              <a:rPr lang="fr-CH" dirty="0" smtClean="0"/>
-              <a:t>Visualisation 3D</a:t>
-            </a:r>
-            <a:endParaRPr lang="fr-CH" dirty="0"/>
-          </a:p>
-        </p:txBody>
-      </p:sp>
-      <p:sp>
-        <p:nvSpPr>
-          <p:cNvPr id="3" name="Espace réservé du contenu 2"/>
-          <p:cNvSpPr>
-            <a:spLocks noGrp="1"/>
-          </p:cNvSpPr>
-          <p:nvPr>
-            <p:ph idx="1"/>
-          </p:nvPr>
-        </p:nvSpPr>
-        <p:spPr/>
-        <p:txBody>
-          <a:bodyPr/>
-          <a:lstStyle/>
-          <a:p>
-            <a:r>
-              <a:rPr lang="fr-CH" dirty="0" err="1" smtClean="0"/>
-              <a:t>Mathematica</a:t>
-            </a:r>
-            <a:endParaRPr lang="fr-CH" dirty="0"/>
-          </a:p>
-        </p:txBody>
-      </p:sp>
-      <p:pic>
-        <p:nvPicPr>
-          <p:cNvPr id="5" name="Image 4"/>
-          <p:cNvPicPr>
-            <a:picLocks noChangeAspect="1"/>
-          </p:cNvPicPr>
-          <p:nvPr/>
-        </p:nvPicPr>
-        <p:blipFill>
-          <a:blip r:embed="rId2">
-            <a:extLst>
-              <a:ext uri="{28A0092B-C50C-407E-A947-70E740481C1C}">
-                <a14:useLocalDpi xmlns:a14="http://schemas.microsoft.com/office/drawing/2010/main" val="0"/>
-              </a:ext>
-            </a:extLst>
-          </a:blip>
-          <a:stretch>
-            <a:fillRect/>
-          </a:stretch>
-        </p:blipFill>
-        <p:spPr>
-          <a:xfrm>
-            <a:off x="-3993" y="2496091"/>
-            <a:ext cx="9144000" cy="3991797"/>
-          </a:xfrm>
-          <a:prstGeom prst="rect">
-            <a:avLst/>
-          </a:prstGeom>
-        </p:spPr>
-      </p:pic>
-    </p:spTree>
-    <p:extLst>
-      <p:ext uri="{BB962C8B-B14F-4D97-AF65-F5344CB8AC3E}">
-        <p14:creationId xmlns:p14="http://schemas.microsoft.com/office/powerpoint/2010/main" val="1399139084"/>
-      </p:ext>
-    </p:extLst>
-  </p:cSld>
-  <p:clrMapOvr>
-    <a:masterClrMapping/>
-  </p:clrMapOvr>
 </p:sld>
 </file>
 

--- a/Projet Hes d'été/4. Cloture/Présentation NSolver v2.pptx
+++ b/Projet Hes d'été/4. Cloture/Présentation NSolver v2.pptx
@@ -26,6 +26,7 @@
     <p:sldId id="273" r:id="rId20"/>
     <p:sldId id="274" r:id="rId21"/>
     <p:sldId id="275" r:id="rId22"/>
+    <p:sldId id="277" r:id="rId23"/>
   </p:sldIdLst>
   <p:sldSz cx="9144000" cy="6858000" type="screen4x3"/>
   <p:notesSz cx="6858000" cy="9144000"/>
@@ -6096,15 +6097,7 @@
             </a:r>
             <a:r>
               <a:rPr lang="fr-CH" dirty="0" smtClean="0"/>
-              <a:t>HES</a:t>
-            </a:r>
-            <a:r>
-              <a:rPr lang="fr-CH" dirty="0" smtClean="0"/>
-              <a:t> </a:t>
-            </a:r>
-            <a:r>
-              <a:rPr lang="fr-CH" dirty="0" smtClean="0"/>
-              <a:t>d’été</a:t>
+              <a:t>HES d’été</a:t>
             </a:r>
             <a:endParaRPr lang="fr-CH" dirty="0"/>
           </a:p>
@@ -8166,6 +8159,78 @@
 </p:sld>
 </file>
 
+<file path=ppt/slides/slide22.xml><?xml version="1.0" encoding="utf-8"?>
+<p:sld xmlns:a="http://schemas.openxmlformats.org/drawingml/2006/main" xmlns:r="http://schemas.openxmlformats.org/officeDocument/2006/relationships" xmlns:p="http://schemas.openxmlformats.org/presentationml/2006/main">
+  <p:cSld>
+    <p:spTree>
+      <p:nvGrpSpPr>
+        <p:cNvPr id="1" name=""/>
+        <p:cNvGrpSpPr/>
+        <p:nvPr/>
+      </p:nvGrpSpPr>
+      <p:grpSpPr>
+        <a:xfrm>
+          <a:off x="0" y="0"/>
+          <a:ext cx="0" cy="0"/>
+          <a:chOff x="0" y="0"/>
+          <a:chExt cx="0" cy="0"/>
+        </a:xfrm>
+      </p:grpSpPr>
+      <p:sp>
+        <p:nvSpPr>
+          <p:cNvPr id="2" name="Titre 1"/>
+          <p:cNvSpPr>
+            <a:spLocks noGrp="1"/>
+          </p:cNvSpPr>
+          <p:nvPr>
+            <p:ph type="title"/>
+          </p:nvPr>
+        </p:nvSpPr>
+        <p:spPr/>
+        <p:txBody>
+          <a:bodyPr/>
+          <a:lstStyle/>
+          <a:p>
+            <a:r>
+              <a:rPr lang="fr-CH" dirty="0" smtClean="0"/>
+              <a:t>Question?</a:t>
+            </a:r>
+            <a:endParaRPr lang="fr-CH" dirty="0"/>
+          </a:p>
+        </p:txBody>
+      </p:sp>
+      <p:sp>
+        <p:nvSpPr>
+          <p:cNvPr id="3" name="Espace réservé du contenu 2"/>
+          <p:cNvSpPr>
+            <a:spLocks noGrp="1"/>
+          </p:cNvSpPr>
+          <p:nvPr>
+            <p:ph idx="1"/>
+          </p:nvPr>
+        </p:nvSpPr>
+        <p:spPr/>
+        <p:txBody>
+          <a:bodyPr/>
+          <a:lstStyle/>
+          <a:p>
+            <a:endParaRPr lang="fr-CH" dirty="0"/>
+          </a:p>
+        </p:txBody>
+      </p:sp>
+    </p:spTree>
+    <p:extLst>
+      <p:ext uri="{BB962C8B-B14F-4D97-AF65-F5344CB8AC3E}">
+        <p14:creationId xmlns:p14="http://schemas.microsoft.com/office/powerpoint/2010/main" val="2203783475"/>
+      </p:ext>
+    </p:extLst>
+  </p:cSld>
+  <p:clrMapOvr>
+    <a:masterClrMapping/>
+  </p:clrMapOvr>
+</p:sld>
+</file>
+
 <file path=ppt/slides/slide3.xml><?xml version="1.0" encoding="utf-8"?>
 <p:sld xmlns:a="http://schemas.openxmlformats.org/drawingml/2006/main" xmlns:r="http://schemas.openxmlformats.org/officeDocument/2006/relationships" xmlns:p="http://schemas.openxmlformats.org/presentationml/2006/main">
   <p:cSld>
